--- a/Slide_ITSA_Basics/ITSA Basics_16_20.pptx
+++ b/Slide_ITSA_Basics/ITSA Basics_16_20.pptx
@@ -16258,7 +16258,7 @@
           <a:p>
             <a:fld id="{F6FA2B21-3FCD-4721-B95C-427943F61125}" type="datetime1">
               <a:rPr lang="en-US" smtClean="0"/>
-              <a:t>7/1/19</a:t>
+              <a:t>7/22/19</a:t>
             </a:fld>
             <a:endParaRPr lang="en-US"/>
           </a:p>
@@ -16438,7 +16438,7 @@
           <a:p>
             <a:fld id="{F6FA2B21-3FCD-4721-B95C-427943F61125}" type="datetime1">
               <a:rPr lang="en-US" smtClean="0"/>
-              <a:t>7/1/19</a:t>
+              <a:t>7/22/19</a:t>
             </a:fld>
             <a:endParaRPr lang="en-US"/>
           </a:p>
@@ -16619,7 +16619,7 @@
           <a:p>
             <a:fld id="{F6FA2B21-3FCD-4721-B95C-427943F61125}" type="datetime1">
               <a:rPr lang="en-US" smtClean="0"/>
-              <a:t>7/1/19</a:t>
+              <a:t>7/22/19</a:t>
             </a:fld>
             <a:endParaRPr lang="en-US"/>
           </a:p>
@@ -16790,7 +16790,7 @@
           <a:p>
             <a:fld id="{F6FA2B21-3FCD-4721-B95C-427943F61125}" type="datetime1">
               <a:rPr lang="en-US" smtClean="0"/>
-              <a:t>7/1/19</a:t>
+              <a:t>7/22/19</a:t>
             </a:fld>
             <a:endParaRPr lang="en-US"/>
           </a:p>
@@ -17112,7 +17112,7 @@
           <a:p>
             <a:fld id="{F6FA2B21-3FCD-4721-B95C-427943F61125}" type="datetime1">
               <a:rPr lang="en-US" smtClean="0"/>
-              <a:t>7/1/19</a:t>
+              <a:t>7/22/19</a:t>
             </a:fld>
             <a:endParaRPr lang="en-US"/>
           </a:p>
@@ -17573,7 +17573,7 @@
           <a:p>
             <a:fld id="{F6FA2B21-3FCD-4721-B95C-427943F61125}" type="datetime1">
               <a:rPr lang="en-US" smtClean="0"/>
-              <a:t>7/1/19</a:t>
+              <a:t>7/22/19</a:t>
             </a:fld>
             <a:endParaRPr lang="en-US"/>
           </a:p>
@@ -17985,7 +17985,7 @@
           <a:p>
             <a:fld id="{F6FA2B21-3FCD-4721-B95C-427943F61125}" type="datetime1">
               <a:rPr lang="en-US" smtClean="0"/>
-              <a:t>7/1/19</a:t>
+              <a:t>7/22/19</a:t>
             </a:fld>
             <a:endParaRPr lang="en-US"/>
           </a:p>
@@ -18104,7 +18104,7 @@
           <a:p>
             <a:fld id="{F6FA2B21-3FCD-4721-B95C-427943F61125}" type="datetime1">
               <a:rPr lang="en-US" smtClean="0"/>
-              <a:t>7/1/19</a:t>
+              <a:t>7/22/19</a:t>
             </a:fld>
             <a:endParaRPr lang="en-US"/>
           </a:p>
@@ -18223,7 +18223,7 @@
           <a:p>
             <a:fld id="{F6FA2B21-3FCD-4721-B95C-427943F61125}" type="datetime1">
               <a:rPr lang="en-US" smtClean="0"/>
-              <a:t>7/1/19</a:t>
+              <a:t>7/22/19</a:t>
             </a:fld>
             <a:endParaRPr lang="en-US"/>
           </a:p>
@@ -18582,7 +18582,7 @@
           <a:p>
             <a:fld id="{F6FA2B21-3FCD-4721-B95C-427943F61125}" type="datetime1">
               <a:rPr lang="en-US" smtClean="0"/>
-              <a:t>7/1/19</a:t>
+              <a:t>7/22/19</a:t>
             </a:fld>
             <a:endParaRPr lang="en-US"/>
           </a:p>
@@ -19090,7 +19090,7 @@
           <a:p>
             <a:fld id="{F6FA2B21-3FCD-4721-B95C-427943F61125}" type="datetime1">
               <a:rPr lang="en-US" smtClean="0"/>
-              <a:t>7/1/19</a:t>
+              <a:t>7/22/19</a:t>
             </a:fld>
             <a:endParaRPr lang="en-US"/>
           </a:p>
@@ -19446,7 +19446,7 @@
           <a:p>
             <a:fld id="{F6FA2B21-3FCD-4721-B95C-427943F61125}" type="datetime1">
               <a:rPr lang="en-US" smtClean="0"/>
-              <a:t>7/1/19</a:t>
+              <a:t>7/22/19</a:t>
             </a:fld>
             <a:endParaRPr lang="en-US"/>
           </a:p>
@@ -20340,6 +20340,1857 @@
           </a:ln>
         </p:spPr>
       </p:pic>
+      <p:graphicFrame>
+        <p:nvGraphicFramePr>
+          <p:cNvPr id="3" name="表格 2">
+            <a:extLst>
+              <a:ext uri="{FF2B5EF4-FFF2-40B4-BE49-F238E27FC236}">
+                <a16:creationId xmlns:a16="http://schemas.microsoft.com/office/drawing/2014/main" id="{452A4FEB-F68C-ED41-897A-13FD61221788}"/>
+              </a:ext>
+            </a:extLst>
+          </p:cNvPr>
+          <p:cNvGraphicFramePr>
+            <a:graphicFrameLocks noGrp="1"/>
+          </p:cNvGraphicFramePr>
+          <p:nvPr>
+            <p:extLst>
+              <p:ext uri="{D42A27DB-BD31-4B8C-83A1-F6EECF244321}">
+                <p14:modId xmlns:p14="http://schemas.microsoft.com/office/powerpoint/2010/main" val="2470284465"/>
+              </p:ext>
+            </p:extLst>
+          </p:nvPr>
+        </p:nvGraphicFramePr>
+        <p:xfrm>
+          <a:off x="5845323" y="910957"/>
+          <a:ext cx="1965532" cy="741680"/>
+        </p:xfrm>
+        <a:graphic>
+          <a:graphicData uri="http://schemas.openxmlformats.org/drawingml/2006/table">
+            <a:tbl>
+              <a:tblPr>
+                <a:tableStyleId>{5C22544A-7EE6-4342-B048-85BDC9FD1C3A}</a:tableStyleId>
+              </a:tblPr>
+              <a:tblGrid>
+                <a:gridCol w="491383">
+                  <a:extLst>
+                    <a:ext uri="{9D8B030D-6E8A-4147-A177-3AD203B41FA5}">
+                      <a16:colId xmlns:a16="http://schemas.microsoft.com/office/drawing/2014/main" val="3706064151"/>
+                    </a:ext>
+                  </a:extLst>
+                </a:gridCol>
+                <a:gridCol w="491383">
+                  <a:extLst>
+                    <a:ext uri="{9D8B030D-6E8A-4147-A177-3AD203B41FA5}">
+                      <a16:colId xmlns:a16="http://schemas.microsoft.com/office/drawing/2014/main" val="1879284663"/>
+                    </a:ext>
+                  </a:extLst>
+                </a:gridCol>
+                <a:gridCol w="491383">
+                  <a:extLst>
+                    <a:ext uri="{9D8B030D-6E8A-4147-A177-3AD203B41FA5}">
+                      <a16:colId xmlns:a16="http://schemas.microsoft.com/office/drawing/2014/main" val="4245568988"/>
+                    </a:ext>
+                  </a:extLst>
+                </a:gridCol>
+                <a:gridCol w="491383">
+                  <a:extLst>
+                    <a:ext uri="{9D8B030D-6E8A-4147-A177-3AD203B41FA5}">
+                      <a16:colId xmlns:a16="http://schemas.microsoft.com/office/drawing/2014/main" val="3695596797"/>
+                    </a:ext>
+                  </a:extLst>
+                </a:gridCol>
+              </a:tblGrid>
+              <a:tr h="370840">
+                <a:tc>
+                  <a:txBody>
+                    <a:bodyPr/>
+                    <a:lstStyle/>
+                    <a:p>
+                      <a:pPr algn="ctr"/>
+                      <a:r>
+                        <a:rPr lang="en-US" altLang="zh-TW" sz="1200" dirty="0"/>
+                        <a:t>3</a:t>
+                      </a:r>
+                      <a:endParaRPr lang="zh-TW" altLang="en-US" sz="1200" dirty="0"/>
+                    </a:p>
+                  </a:txBody>
+                  <a:tcPr anchor="ctr"/>
+                </a:tc>
+                <a:tc>
+                  <a:txBody>
+                    <a:bodyPr/>
+                    <a:lstStyle/>
+                    <a:p>
+                      <a:pPr algn="ctr"/>
+                      <a:r>
+                        <a:rPr lang="en-US" altLang="zh-TW" sz="1200" dirty="0"/>
+                        <a:t>4</a:t>
+                      </a:r>
+                      <a:endParaRPr lang="zh-TW" altLang="en-US" sz="1200" dirty="0"/>
+                    </a:p>
+                  </a:txBody>
+                  <a:tcPr anchor="ctr"/>
+                </a:tc>
+                <a:tc>
+                  <a:txBody>
+                    <a:bodyPr/>
+                    <a:lstStyle/>
+                    <a:p>
+                      <a:pPr algn="ctr"/>
+                      <a:r>
+                        <a:rPr lang="en-US" altLang="zh-TW" sz="1200" dirty="0"/>
+                        <a:t>5</a:t>
+                      </a:r>
+                      <a:endParaRPr lang="zh-TW" altLang="en-US" sz="1200" dirty="0"/>
+                    </a:p>
+                  </a:txBody>
+                  <a:tcPr anchor="ctr"/>
+                </a:tc>
+                <a:tc>
+                  <a:txBody>
+                    <a:bodyPr/>
+                    <a:lstStyle/>
+                    <a:p>
+                      <a:pPr algn="ctr"/>
+                      <a:r>
+                        <a:rPr lang="en-US" altLang="zh-TW" sz="1200" dirty="0"/>
+                        <a:t>6</a:t>
+                      </a:r>
+                      <a:endParaRPr lang="zh-TW" altLang="en-US" sz="1200" dirty="0"/>
+                    </a:p>
+                  </a:txBody>
+                  <a:tcPr anchor="ctr"/>
+                </a:tc>
+                <a:extLst>
+                  <a:ext uri="{0D108BD9-81ED-4DB2-BD59-A6C34878D82A}">
+                    <a16:rowId xmlns:a16="http://schemas.microsoft.com/office/drawing/2014/main" val="2972526217"/>
+                  </a:ext>
+                </a:extLst>
+              </a:tr>
+              <a:tr h="370840">
+                <a:tc>
+                  <a:txBody>
+                    <a:bodyPr/>
+                    <a:lstStyle/>
+                    <a:p>
+                      <a:pPr algn="ctr"/>
+                      <a:r>
+                        <a:rPr lang="en-US" altLang="zh-TW" sz="1200" dirty="0"/>
+                        <a:t>7</a:t>
+                      </a:r>
+                      <a:endParaRPr lang="zh-TW" altLang="en-US" sz="1200" dirty="0"/>
+                    </a:p>
+                  </a:txBody>
+                  <a:tcPr anchor="ctr"/>
+                </a:tc>
+                <a:tc>
+                  <a:txBody>
+                    <a:bodyPr/>
+                    <a:lstStyle/>
+                    <a:p>
+                      <a:pPr algn="ctr"/>
+                      <a:r>
+                        <a:rPr lang="en-US" altLang="zh-TW" sz="1200" dirty="0"/>
+                        <a:t>8</a:t>
+                      </a:r>
+                      <a:endParaRPr lang="zh-TW" altLang="en-US" sz="1200" dirty="0"/>
+                    </a:p>
+                  </a:txBody>
+                  <a:tcPr anchor="ctr"/>
+                </a:tc>
+                <a:tc>
+                  <a:txBody>
+                    <a:bodyPr/>
+                    <a:lstStyle/>
+                    <a:p>
+                      <a:pPr algn="ctr"/>
+                      <a:r>
+                        <a:rPr lang="en-US" altLang="zh-TW" sz="1200" dirty="0"/>
+                        <a:t>9</a:t>
+                      </a:r>
+                      <a:endParaRPr lang="zh-TW" altLang="en-US" sz="1200" dirty="0"/>
+                    </a:p>
+                  </a:txBody>
+                  <a:tcPr anchor="ctr"/>
+                </a:tc>
+                <a:tc>
+                  <a:txBody>
+                    <a:bodyPr/>
+                    <a:lstStyle/>
+                    <a:p>
+                      <a:pPr algn="ctr"/>
+                      <a:endParaRPr lang="zh-TW" altLang="en-US" sz="1200" dirty="0"/>
+                    </a:p>
+                  </a:txBody>
+                  <a:tcPr anchor="ctr"/>
+                </a:tc>
+                <a:extLst>
+                  <a:ext uri="{0D108BD9-81ED-4DB2-BD59-A6C34878D82A}">
+                    <a16:rowId xmlns:a16="http://schemas.microsoft.com/office/drawing/2014/main" val="2909475624"/>
+                  </a:ext>
+                </a:extLst>
+              </a:tr>
+            </a:tbl>
+          </a:graphicData>
+        </a:graphic>
+      </p:graphicFrame>
+      <p:graphicFrame>
+        <p:nvGraphicFramePr>
+          <p:cNvPr id="4" name="表格 3">
+            <a:extLst>
+              <a:ext uri="{FF2B5EF4-FFF2-40B4-BE49-F238E27FC236}">
+                <a16:creationId xmlns:a16="http://schemas.microsoft.com/office/drawing/2014/main" id="{DD1744EA-1472-C74C-8F28-81C1ACCB885D}"/>
+              </a:ext>
+            </a:extLst>
+          </p:cNvPr>
+          <p:cNvGraphicFramePr>
+            <a:graphicFrameLocks noGrp="1"/>
+          </p:cNvGraphicFramePr>
+          <p:nvPr>
+            <p:extLst>
+              <p:ext uri="{D42A27DB-BD31-4B8C-83A1-F6EECF244321}">
+                <p14:modId xmlns:p14="http://schemas.microsoft.com/office/powerpoint/2010/main" val="4109959677"/>
+              </p:ext>
+            </p:extLst>
+          </p:nvPr>
+        </p:nvGraphicFramePr>
+        <p:xfrm>
+          <a:off x="5845323" y="1902175"/>
+          <a:ext cx="1965532" cy="741680"/>
+        </p:xfrm>
+        <a:graphic>
+          <a:graphicData uri="http://schemas.openxmlformats.org/drawingml/2006/table">
+            <a:tbl>
+              <a:tblPr>
+                <a:tableStyleId>{5C22544A-7EE6-4342-B048-85BDC9FD1C3A}</a:tableStyleId>
+              </a:tblPr>
+              <a:tblGrid>
+                <a:gridCol w="491383">
+                  <a:extLst>
+                    <a:ext uri="{9D8B030D-6E8A-4147-A177-3AD203B41FA5}">
+                      <a16:colId xmlns:a16="http://schemas.microsoft.com/office/drawing/2014/main" val="3706064151"/>
+                    </a:ext>
+                  </a:extLst>
+                </a:gridCol>
+                <a:gridCol w="491383">
+                  <a:extLst>
+                    <a:ext uri="{9D8B030D-6E8A-4147-A177-3AD203B41FA5}">
+                      <a16:colId xmlns:a16="http://schemas.microsoft.com/office/drawing/2014/main" val="1879284663"/>
+                    </a:ext>
+                  </a:extLst>
+                </a:gridCol>
+                <a:gridCol w="491383">
+                  <a:extLst>
+                    <a:ext uri="{9D8B030D-6E8A-4147-A177-3AD203B41FA5}">
+                      <a16:colId xmlns:a16="http://schemas.microsoft.com/office/drawing/2014/main" val="4245568988"/>
+                    </a:ext>
+                  </a:extLst>
+                </a:gridCol>
+                <a:gridCol w="491383">
+                  <a:extLst>
+                    <a:ext uri="{9D8B030D-6E8A-4147-A177-3AD203B41FA5}">
+                      <a16:colId xmlns:a16="http://schemas.microsoft.com/office/drawing/2014/main" val="3695596797"/>
+                    </a:ext>
+                  </a:extLst>
+                </a:gridCol>
+              </a:tblGrid>
+              <a:tr h="370840">
+                <a:tc>
+                  <a:txBody>
+                    <a:bodyPr/>
+                    <a:lstStyle/>
+                    <a:p>
+                      <a:pPr algn="ctr"/>
+                      <a:r>
+                        <a:rPr lang="en-US" altLang="zh-TW" sz="1200" dirty="0"/>
+                        <a:t>6</a:t>
+                      </a:r>
+                      <a:endParaRPr lang="zh-TW" altLang="en-US" sz="1200" dirty="0"/>
+                    </a:p>
+                  </a:txBody>
+                  <a:tcPr anchor="ctr"/>
+                </a:tc>
+                <a:tc>
+                  <a:txBody>
+                    <a:bodyPr/>
+                    <a:lstStyle/>
+                    <a:p>
+                      <a:pPr algn="ctr"/>
+                      <a:r>
+                        <a:rPr lang="en-US" altLang="zh-TW" sz="1200" dirty="0"/>
+                        <a:t>5</a:t>
+                      </a:r>
+                      <a:endParaRPr lang="zh-TW" altLang="en-US" sz="1200" dirty="0"/>
+                    </a:p>
+                  </a:txBody>
+                  <a:tcPr anchor="ctr"/>
+                </a:tc>
+                <a:tc>
+                  <a:txBody>
+                    <a:bodyPr/>
+                    <a:lstStyle/>
+                    <a:p>
+                      <a:pPr algn="ctr"/>
+                      <a:r>
+                        <a:rPr lang="en-US" altLang="zh-TW" sz="1200" dirty="0"/>
+                        <a:t>4</a:t>
+                      </a:r>
+                      <a:endParaRPr lang="zh-TW" altLang="en-US" sz="1200" dirty="0"/>
+                    </a:p>
+                  </a:txBody>
+                  <a:tcPr anchor="ctr"/>
+                </a:tc>
+                <a:tc>
+                  <a:txBody>
+                    <a:bodyPr/>
+                    <a:lstStyle/>
+                    <a:p>
+                      <a:pPr algn="ctr"/>
+                      <a:r>
+                        <a:rPr lang="en-US" altLang="zh-TW" sz="1200" dirty="0"/>
+                        <a:t>3</a:t>
+                      </a:r>
+                      <a:endParaRPr lang="zh-TW" altLang="en-US" sz="1200" dirty="0"/>
+                    </a:p>
+                  </a:txBody>
+                  <a:tcPr anchor="ctr"/>
+                </a:tc>
+                <a:extLst>
+                  <a:ext uri="{0D108BD9-81ED-4DB2-BD59-A6C34878D82A}">
+                    <a16:rowId xmlns:a16="http://schemas.microsoft.com/office/drawing/2014/main" val="2972526217"/>
+                  </a:ext>
+                </a:extLst>
+              </a:tr>
+              <a:tr h="370840">
+                <a:tc>
+                  <a:txBody>
+                    <a:bodyPr/>
+                    <a:lstStyle/>
+                    <a:p>
+                      <a:pPr algn="ctr"/>
+                      <a:r>
+                        <a:rPr lang="en-US" altLang="zh-TW" sz="1200" dirty="0"/>
+                        <a:t>9</a:t>
+                      </a:r>
+                      <a:endParaRPr lang="zh-TW" altLang="en-US" sz="1200" dirty="0"/>
+                    </a:p>
+                  </a:txBody>
+                  <a:tcPr anchor="ctr"/>
+                </a:tc>
+                <a:tc>
+                  <a:txBody>
+                    <a:bodyPr/>
+                    <a:lstStyle/>
+                    <a:p>
+                      <a:pPr algn="ctr"/>
+                      <a:r>
+                        <a:rPr lang="en-US" altLang="zh-TW" sz="1200" dirty="0"/>
+                        <a:t>8</a:t>
+                      </a:r>
+                      <a:endParaRPr lang="zh-TW" altLang="en-US" sz="1200" dirty="0"/>
+                    </a:p>
+                  </a:txBody>
+                  <a:tcPr anchor="ctr"/>
+                </a:tc>
+                <a:tc>
+                  <a:txBody>
+                    <a:bodyPr/>
+                    <a:lstStyle/>
+                    <a:p>
+                      <a:pPr algn="ctr"/>
+                      <a:r>
+                        <a:rPr lang="en-US" altLang="zh-TW" sz="1200" dirty="0"/>
+                        <a:t>7</a:t>
+                      </a:r>
+                      <a:endParaRPr lang="zh-TW" altLang="en-US" sz="1200" dirty="0"/>
+                    </a:p>
+                  </a:txBody>
+                  <a:tcPr anchor="ctr"/>
+                </a:tc>
+                <a:tc>
+                  <a:txBody>
+                    <a:bodyPr/>
+                    <a:lstStyle/>
+                    <a:p>
+                      <a:pPr algn="ctr"/>
+                      <a:r>
+                        <a:rPr lang="en-US" altLang="zh-TW" sz="1200" dirty="0">
+                          <a:solidFill>
+                            <a:srgbClr val="FF0000"/>
+                          </a:solidFill>
+                        </a:rPr>
+                        <a:t>0</a:t>
+                      </a:r>
+                      <a:endParaRPr lang="zh-TW" altLang="en-US" sz="1200" dirty="0">
+                        <a:solidFill>
+                          <a:srgbClr val="FF0000"/>
+                        </a:solidFill>
+                      </a:endParaRPr>
+                    </a:p>
+                  </a:txBody>
+                  <a:tcPr anchor="ctr"/>
+                </a:tc>
+                <a:extLst>
+                  <a:ext uri="{0D108BD9-81ED-4DB2-BD59-A6C34878D82A}">
+                    <a16:rowId xmlns:a16="http://schemas.microsoft.com/office/drawing/2014/main" val="2909475624"/>
+                  </a:ext>
+                </a:extLst>
+              </a:tr>
+            </a:tbl>
+          </a:graphicData>
+        </a:graphic>
+      </p:graphicFrame>
+      <p:graphicFrame>
+        <p:nvGraphicFramePr>
+          <p:cNvPr id="5" name="表格 4">
+            <a:extLst>
+              <a:ext uri="{FF2B5EF4-FFF2-40B4-BE49-F238E27FC236}">
+                <a16:creationId xmlns:a16="http://schemas.microsoft.com/office/drawing/2014/main" id="{F55C37A5-C222-5149-87E8-BD8316F8D4FD}"/>
+              </a:ext>
+            </a:extLst>
+          </p:cNvPr>
+          <p:cNvGraphicFramePr>
+            <a:graphicFrameLocks noGrp="1"/>
+          </p:cNvGraphicFramePr>
+          <p:nvPr>
+            <p:extLst>
+              <p:ext uri="{D42A27DB-BD31-4B8C-83A1-F6EECF244321}">
+                <p14:modId xmlns:p14="http://schemas.microsoft.com/office/powerpoint/2010/main" val="1788762792"/>
+              </p:ext>
+            </p:extLst>
+          </p:nvPr>
+        </p:nvGraphicFramePr>
+        <p:xfrm>
+          <a:off x="5845323" y="97683"/>
+          <a:ext cx="2948298" cy="741680"/>
+        </p:xfrm>
+        <a:graphic>
+          <a:graphicData uri="http://schemas.openxmlformats.org/drawingml/2006/table">
+            <a:tbl>
+              <a:tblPr>
+                <a:tableStyleId>{5C22544A-7EE6-4342-B048-85BDC9FD1C3A}</a:tableStyleId>
+              </a:tblPr>
+              <a:tblGrid>
+                <a:gridCol w="491383">
+                  <a:extLst>
+                    <a:ext uri="{9D8B030D-6E8A-4147-A177-3AD203B41FA5}">
+                      <a16:colId xmlns:a16="http://schemas.microsoft.com/office/drawing/2014/main" val="3706064151"/>
+                    </a:ext>
+                  </a:extLst>
+                </a:gridCol>
+                <a:gridCol w="491383">
+                  <a:extLst>
+                    <a:ext uri="{9D8B030D-6E8A-4147-A177-3AD203B41FA5}">
+                      <a16:colId xmlns:a16="http://schemas.microsoft.com/office/drawing/2014/main" val="1879284663"/>
+                    </a:ext>
+                  </a:extLst>
+                </a:gridCol>
+                <a:gridCol w="491383">
+                  <a:extLst>
+                    <a:ext uri="{9D8B030D-6E8A-4147-A177-3AD203B41FA5}">
+                      <a16:colId xmlns:a16="http://schemas.microsoft.com/office/drawing/2014/main" val="4245568988"/>
+                    </a:ext>
+                  </a:extLst>
+                </a:gridCol>
+                <a:gridCol w="491383">
+                  <a:extLst>
+                    <a:ext uri="{9D8B030D-6E8A-4147-A177-3AD203B41FA5}">
+                      <a16:colId xmlns:a16="http://schemas.microsoft.com/office/drawing/2014/main" val="3695596797"/>
+                    </a:ext>
+                  </a:extLst>
+                </a:gridCol>
+                <a:gridCol w="491383">
+                  <a:extLst>
+                    <a:ext uri="{9D8B030D-6E8A-4147-A177-3AD203B41FA5}">
+                      <a16:colId xmlns:a16="http://schemas.microsoft.com/office/drawing/2014/main" val="2239970043"/>
+                    </a:ext>
+                  </a:extLst>
+                </a:gridCol>
+                <a:gridCol w="491383">
+                  <a:extLst>
+                    <a:ext uri="{9D8B030D-6E8A-4147-A177-3AD203B41FA5}">
+                      <a16:colId xmlns:a16="http://schemas.microsoft.com/office/drawing/2014/main" val="4044627368"/>
+                    </a:ext>
+                  </a:extLst>
+                </a:gridCol>
+              </a:tblGrid>
+              <a:tr h="370840">
+                <a:tc>
+                  <a:txBody>
+                    <a:bodyPr/>
+                    <a:lstStyle/>
+                    <a:p>
+                      <a:pPr algn="ctr"/>
+                      <a:r>
+                        <a:rPr lang="en-US" altLang="zh-TW" sz="1200" dirty="0"/>
+                        <a:t>3</a:t>
+                      </a:r>
+                      <a:endParaRPr lang="zh-TW" altLang="en-US" sz="1200" dirty="0"/>
+                    </a:p>
+                  </a:txBody>
+                  <a:tcPr anchor="ctr">
+                    <a:noFill/>
+                  </a:tcPr>
+                </a:tc>
+                <a:tc>
+                  <a:txBody>
+                    <a:bodyPr/>
+                    <a:lstStyle/>
+                    <a:p>
+                      <a:pPr algn="ctr"/>
+                      <a:r>
+                        <a:rPr lang="en-US" altLang="zh-TW" sz="1200" dirty="0"/>
+                        <a:t>4</a:t>
+                      </a:r>
+                      <a:endParaRPr lang="zh-TW" altLang="en-US" sz="1200" dirty="0"/>
+                    </a:p>
+                  </a:txBody>
+                  <a:tcPr anchor="ctr">
+                    <a:noFill/>
+                  </a:tcPr>
+                </a:tc>
+                <a:tc>
+                  <a:txBody>
+                    <a:bodyPr/>
+                    <a:lstStyle/>
+                    <a:p>
+                      <a:pPr algn="ctr"/>
+                      <a:r>
+                        <a:rPr lang="en-US" altLang="zh-TW" sz="1200" dirty="0"/>
+                        <a:t>5</a:t>
+                      </a:r>
+                      <a:endParaRPr lang="zh-TW" altLang="en-US" sz="1200" dirty="0"/>
+                    </a:p>
+                  </a:txBody>
+                  <a:tcPr anchor="ctr">
+                    <a:noFill/>
+                  </a:tcPr>
+                </a:tc>
+                <a:tc>
+                  <a:txBody>
+                    <a:bodyPr/>
+                    <a:lstStyle/>
+                    <a:p>
+                      <a:pPr algn="ctr"/>
+                      <a:r>
+                        <a:rPr lang="en-US" altLang="zh-TW" sz="1200" dirty="0"/>
+                        <a:t>6</a:t>
+                      </a:r>
+                      <a:endParaRPr lang="zh-TW" altLang="en-US" sz="1200" dirty="0"/>
+                    </a:p>
+                  </a:txBody>
+                  <a:tcPr anchor="ctr">
+                    <a:noFill/>
+                  </a:tcPr>
+                </a:tc>
+                <a:tc>
+                  <a:txBody>
+                    <a:bodyPr/>
+                    <a:lstStyle/>
+                    <a:p>
+                      <a:pPr algn="ctr"/>
+                      <a:endParaRPr lang="zh-TW" altLang="en-US" sz="1200"/>
+                    </a:p>
+                  </a:txBody>
+                  <a:tcPr anchor="ctr">
+                    <a:noFill/>
+                  </a:tcPr>
+                </a:tc>
+                <a:tc>
+                  <a:txBody>
+                    <a:bodyPr/>
+                    <a:lstStyle/>
+                    <a:p>
+                      <a:pPr algn="ctr"/>
+                      <a:endParaRPr lang="zh-TW" altLang="en-US" sz="1200" dirty="0"/>
+                    </a:p>
+                  </a:txBody>
+                  <a:tcPr anchor="ctr">
+                    <a:noFill/>
+                  </a:tcPr>
+                </a:tc>
+                <a:extLst>
+                  <a:ext uri="{0D108BD9-81ED-4DB2-BD59-A6C34878D82A}">
+                    <a16:rowId xmlns:a16="http://schemas.microsoft.com/office/drawing/2014/main" val="2972526217"/>
+                  </a:ext>
+                </a:extLst>
+              </a:tr>
+              <a:tr h="370840">
+                <a:tc>
+                  <a:txBody>
+                    <a:bodyPr/>
+                    <a:lstStyle/>
+                    <a:p>
+                      <a:pPr algn="ctr"/>
+                      <a:endParaRPr lang="zh-TW" altLang="en-US" sz="1200" dirty="0"/>
+                    </a:p>
+                  </a:txBody>
+                  <a:tcPr anchor="ctr">
+                    <a:noFill/>
+                  </a:tcPr>
+                </a:tc>
+                <a:tc>
+                  <a:txBody>
+                    <a:bodyPr/>
+                    <a:lstStyle/>
+                    <a:p>
+                      <a:pPr algn="ctr"/>
+                      <a:r>
+                        <a:rPr lang="en-US" altLang="zh-TW" sz="1200" dirty="0"/>
+                        <a:t>7</a:t>
+                      </a:r>
+                      <a:endParaRPr lang="zh-TW" altLang="en-US" sz="1200" dirty="0"/>
+                    </a:p>
+                  </a:txBody>
+                  <a:tcPr anchor="ctr">
+                    <a:noFill/>
+                  </a:tcPr>
+                </a:tc>
+                <a:tc>
+                  <a:txBody>
+                    <a:bodyPr/>
+                    <a:lstStyle/>
+                    <a:p>
+                      <a:pPr algn="ctr"/>
+                      <a:r>
+                        <a:rPr lang="en-US" altLang="zh-TW" sz="1200" dirty="0"/>
+                        <a:t>8</a:t>
+                      </a:r>
+                      <a:endParaRPr lang="zh-TW" altLang="en-US" sz="1200" dirty="0"/>
+                    </a:p>
+                  </a:txBody>
+                  <a:tcPr anchor="ctr">
+                    <a:noFill/>
+                  </a:tcPr>
+                </a:tc>
+                <a:tc>
+                  <a:txBody>
+                    <a:bodyPr/>
+                    <a:lstStyle/>
+                    <a:p>
+                      <a:pPr algn="ctr"/>
+                      <a:r>
+                        <a:rPr lang="en-US" altLang="zh-TW" sz="1200" dirty="0"/>
+                        <a:t>9</a:t>
+                      </a:r>
+                      <a:endParaRPr lang="zh-TW" altLang="en-US" sz="1200" dirty="0"/>
+                    </a:p>
+                  </a:txBody>
+                  <a:tcPr anchor="ctr">
+                    <a:noFill/>
+                  </a:tcPr>
+                </a:tc>
+                <a:tc>
+                  <a:txBody>
+                    <a:bodyPr/>
+                    <a:lstStyle/>
+                    <a:p>
+                      <a:pPr algn="ctr"/>
+                      <a:endParaRPr lang="zh-TW" altLang="en-US" sz="1200" dirty="0"/>
+                    </a:p>
+                  </a:txBody>
+                  <a:tcPr anchor="ctr">
+                    <a:noFill/>
+                  </a:tcPr>
+                </a:tc>
+                <a:tc>
+                  <a:txBody>
+                    <a:bodyPr/>
+                    <a:lstStyle/>
+                    <a:p>
+                      <a:pPr algn="ctr"/>
+                      <a:endParaRPr lang="zh-TW" altLang="en-US" sz="1200" dirty="0"/>
+                    </a:p>
+                  </a:txBody>
+                  <a:tcPr anchor="ctr">
+                    <a:noFill/>
+                  </a:tcPr>
+                </a:tc>
+                <a:extLst>
+                  <a:ext uri="{0D108BD9-81ED-4DB2-BD59-A6C34878D82A}">
+                    <a16:rowId xmlns:a16="http://schemas.microsoft.com/office/drawing/2014/main" val="2909475624"/>
+                  </a:ext>
+                </a:extLst>
+              </a:tr>
+            </a:tbl>
+          </a:graphicData>
+        </a:graphic>
+      </p:graphicFrame>
+      <p:graphicFrame>
+        <p:nvGraphicFramePr>
+          <p:cNvPr id="6" name="表格 5">
+            <a:extLst>
+              <a:ext uri="{FF2B5EF4-FFF2-40B4-BE49-F238E27FC236}">
+                <a16:creationId xmlns:a16="http://schemas.microsoft.com/office/drawing/2014/main" id="{623FA9EC-18E8-E64A-91AB-E8EC5A076509}"/>
+              </a:ext>
+            </a:extLst>
+          </p:cNvPr>
+          <p:cNvGraphicFramePr>
+            <a:graphicFrameLocks noGrp="1"/>
+          </p:cNvGraphicFramePr>
+          <p:nvPr>
+            <p:extLst>
+              <p:ext uri="{D42A27DB-BD31-4B8C-83A1-F6EECF244321}">
+                <p14:modId xmlns:p14="http://schemas.microsoft.com/office/powerpoint/2010/main" val="1724923242"/>
+              </p:ext>
+            </p:extLst>
+          </p:nvPr>
+        </p:nvGraphicFramePr>
+        <p:xfrm>
+          <a:off x="5845323" y="3071146"/>
+          <a:ext cx="2452645" cy="1483360"/>
+        </p:xfrm>
+        <a:graphic>
+          <a:graphicData uri="http://schemas.openxmlformats.org/drawingml/2006/table">
+            <a:tbl>
+              <a:tblPr>
+                <a:tableStyleId>{5C22544A-7EE6-4342-B048-85BDC9FD1C3A}</a:tableStyleId>
+              </a:tblPr>
+              <a:tblGrid>
+                <a:gridCol w="490529">
+                  <a:extLst>
+                    <a:ext uri="{9D8B030D-6E8A-4147-A177-3AD203B41FA5}">
+                      <a16:colId xmlns:a16="http://schemas.microsoft.com/office/drawing/2014/main" val="3706064151"/>
+                    </a:ext>
+                  </a:extLst>
+                </a:gridCol>
+                <a:gridCol w="490529">
+                  <a:extLst>
+                    <a:ext uri="{9D8B030D-6E8A-4147-A177-3AD203B41FA5}">
+                      <a16:colId xmlns:a16="http://schemas.microsoft.com/office/drawing/2014/main" val="1879284663"/>
+                    </a:ext>
+                  </a:extLst>
+                </a:gridCol>
+                <a:gridCol w="490529">
+                  <a:extLst>
+                    <a:ext uri="{9D8B030D-6E8A-4147-A177-3AD203B41FA5}">
+                      <a16:colId xmlns:a16="http://schemas.microsoft.com/office/drawing/2014/main" val="4245568988"/>
+                    </a:ext>
+                  </a:extLst>
+                </a:gridCol>
+                <a:gridCol w="490529">
+                  <a:extLst>
+                    <a:ext uri="{9D8B030D-6E8A-4147-A177-3AD203B41FA5}">
+                      <a16:colId xmlns:a16="http://schemas.microsoft.com/office/drawing/2014/main" val="3695596797"/>
+                    </a:ext>
+                  </a:extLst>
+                </a:gridCol>
+                <a:gridCol w="490529">
+                  <a:extLst>
+                    <a:ext uri="{9D8B030D-6E8A-4147-A177-3AD203B41FA5}">
+                      <a16:colId xmlns:a16="http://schemas.microsoft.com/office/drawing/2014/main" val="2306681500"/>
+                    </a:ext>
+                  </a:extLst>
+                </a:gridCol>
+              </a:tblGrid>
+              <a:tr h="370840">
+                <a:tc>
+                  <a:txBody>
+                    <a:bodyPr/>
+                    <a:lstStyle/>
+                    <a:p>
+                      <a:pPr algn="ctr"/>
+                      <a:r>
+                        <a:rPr lang="en-US" altLang="zh-TW" sz="1200" dirty="0"/>
+                        <a:t>6</a:t>
+                      </a:r>
+                      <a:endParaRPr lang="zh-TW" altLang="en-US" sz="1200" dirty="0"/>
+                    </a:p>
+                  </a:txBody>
+                  <a:tcPr anchor="ctr">
+                    <a:lnL w="12700" cap="flat" cmpd="sng" algn="ctr">
+                      <a:solidFill>
+                        <a:schemeClr val="tx1"/>
+                      </a:solidFill>
+                      <a:prstDash val="solid"/>
+                      <a:round/>
+                      <a:headEnd type="none" w="med" len="med"/>
+                      <a:tailEnd type="none" w="med" len="med"/>
+                    </a:lnL>
+                    <a:lnR w="12700" cap="flat" cmpd="sng" algn="ctr">
+                      <a:solidFill>
+                        <a:schemeClr val="tx1"/>
+                      </a:solidFill>
+                      <a:prstDash val="solid"/>
+                      <a:round/>
+                      <a:headEnd type="none" w="med" len="med"/>
+                      <a:tailEnd type="none" w="med" len="med"/>
+                    </a:lnR>
+                    <a:lnT w="12700" cap="flat" cmpd="sng" algn="ctr">
+                      <a:solidFill>
+                        <a:schemeClr val="tx1"/>
+                      </a:solidFill>
+                      <a:prstDash val="solid"/>
+                      <a:round/>
+                      <a:headEnd type="none" w="med" len="med"/>
+                      <a:tailEnd type="none" w="med" len="med"/>
+                    </a:lnT>
+                    <a:lnB w="12700" cap="flat" cmpd="sng" algn="ctr">
+                      <a:solidFill>
+                        <a:schemeClr val="tx1"/>
+                      </a:solidFill>
+                      <a:prstDash val="solid"/>
+                      <a:round/>
+                      <a:headEnd type="none" w="med" len="med"/>
+                      <a:tailEnd type="none" w="med" len="med"/>
+                    </a:lnB>
+                  </a:tcPr>
+                </a:tc>
+                <a:tc>
+                  <a:txBody>
+                    <a:bodyPr/>
+                    <a:lstStyle/>
+                    <a:p>
+                      <a:pPr algn="ctr"/>
+                      <a:r>
+                        <a:rPr lang="en-US" altLang="zh-TW" sz="1200" dirty="0"/>
+                        <a:t>5</a:t>
+                      </a:r>
+                      <a:endParaRPr lang="zh-TW" altLang="en-US" sz="1200" dirty="0"/>
+                    </a:p>
+                  </a:txBody>
+                  <a:tcPr anchor="ctr">
+                    <a:lnL w="12700" cap="flat" cmpd="sng" algn="ctr">
+                      <a:solidFill>
+                        <a:schemeClr val="tx1"/>
+                      </a:solidFill>
+                      <a:prstDash val="solid"/>
+                      <a:round/>
+                      <a:headEnd type="none" w="med" len="med"/>
+                      <a:tailEnd type="none" w="med" len="med"/>
+                    </a:lnL>
+                    <a:lnR w="12700" cap="flat" cmpd="sng" algn="ctr">
+                      <a:solidFill>
+                        <a:schemeClr val="tx1"/>
+                      </a:solidFill>
+                      <a:prstDash val="solid"/>
+                      <a:round/>
+                      <a:headEnd type="none" w="med" len="med"/>
+                      <a:tailEnd type="none" w="med" len="med"/>
+                    </a:lnR>
+                    <a:lnT w="12700" cap="flat" cmpd="sng" algn="ctr">
+                      <a:solidFill>
+                        <a:schemeClr val="tx1"/>
+                      </a:solidFill>
+                      <a:prstDash val="solid"/>
+                      <a:round/>
+                      <a:headEnd type="none" w="med" len="med"/>
+                      <a:tailEnd type="none" w="med" len="med"/>
+                    </a:lnT>
+                    <a:lnB w="12700" cap="flat" cmpd="sng" algn="ctr">
+                      <a:solidFill>
+                        <a:schemeClr val="tx1"/>
+                      </a:solidFill>
+                      <a:prstDash val="solid"/>
+                      <a:round/>
+                      <a:headEnd type="none" w="med" len="med"/>
+                      <a:tailEnd type="none" w="med" len="med"/>
+                    </a:lnB>
+                  </a:tcPr>
+                </a:tc>
+                <a:tc>
+                  <a:txBody>
+                    <a:bodyPr/>
+                    <a:lstStyle/>
+                    <a:p>
+                      <a:pPr algn="ctr"/>
+                      <a:r>
+                        <a:rPr lang="en-US" altLang="zh-TW" sz="1200" dirty="0"/>
+                        <a:t>4</a:t>
+                      </a:r>
+                      <a:endParaRPr lang="zh-TW" altLang="en-US" sz="1200" dirty="0"/>
+                    </a:p>
+                  </a:txBody>
+                  <a:tcPr anchor="ctr">
+                    <a:lnL w="12700" cap="flat" cmpd="sng" algn="ctr">
+                      <a:solidFill>
+                        <a:schemeClr val="tx1"/>
+                      </a:solidFill>
+                      <a:prstDash val="solid"/>
+                      <a:round/>
+                      <a:headEnd type="none" w="med" len="med"/>
+                      <a:tailEnd type="none" w="med" len="med"/>
+                    </a:lnL>
+                    <a:lnR w="12700" cap="flat" cmpd="sng" algn="ctr">
+                      <a:solidFill>
+                        <a:schemeClr val="tx1"/>
+                      </a:solidFill>
+                      <a:prstDash val="solid"/>
+                      <a:round/>
+                      <a:headEnd type="none" w="med" len="med"/>
+                      <a:tailEnd type="none" w="med" len="med"/>
+                    </a:lnR>
+                    <a:lnT w="12700" cap="flat" cmpd="sng" algn="ctr">
+                      <a:solidFill>
+                        <a:schemeClr val="tx1"/>
+                      </a:solidFill>
+                      <a:prstDash val="solid"/>
+                      <a:round/>
+                      <a:headEnd type="none" w="med" len="med"/>
+                      <a:tailEnd type="none" w="med" len="med"/>
+                    </a:lnT>
+                    <a:lnB w="12700" cap="flat" cmpd="sng" algn="ctr">
+                      <a:solidFill>
+                        <a:schemeClr val="tx1"/>
+                      </a:solidFill>
+                      <a:prstDash val="solid"/>
+                      <a:round/>
+                      <a:headEnd type="none" w="med" len="med"/>
+                      <a:tailEnd type="none" w="med" len="med"/>
+                    </a:lnB>
+                  </a:tcPr>
+                </a:tc>
+                <a:tc>
+                  <a:txBody>
+                    <a:bodyPr/>
+                    <a:lstStyle/>
+                    <a:p>
+                      <a:pPr algn="ctr"/>
+                      <a:r>
+                        <a:rPr lang="en-US" altLang="zh-TW" sz="1200" dirty="0"/>
+                        <a:t>3</a:t>
+                      </a:r>
+                      <a:endParaRPr lang="zh-TW" altLang="en-US" sz="1200" dirty="0"/>
+                    </a:p>
+                  </a:txBody>
+                  <a:tcPr anchor="ctr">
+                    <a:lnL w="12700" cap="flat" cmpd="sng" algn="ctr">
+                      <a:solidFill>
+                        <a:schemeClr val="tx1"/>
+                      </a:solidFill>
+                      <a:prstDash val="solid"/>
+                      <a:round/>
+                      <a:headEnd type="none" w="med" len="med"/>
+                      <a:tailEnd type="none" w="med" len="med"/>
+                    </a:lnL>
+                    <a:lnR w="12700" cap="flat" cmpd="sng" algn="ctr">
+                      <a:solidFill>
+                        <a:schemeClr val="tx1"/>
+                      </a:solidFill>
+                      <a:prstDash val="solid"/>
+                      <a:round/>
+                      <a:headEnd type="none" w="med" len="med"/>
+                      <a:tailEnd type="none" w="med" len="med"/>
+                    </a:lnR>
+                    <a:lnT w="12700" cap="flat" cmpd="sng" algn="ctr">
+                      <a:solidFill>
+                        <a:schemeClr val="tx1"/>
+                      </a:solidFill>
+                      <a:prstDash val="solid"/>
+                      <a:round/>
+                      <a:headEnd type="none" w="med" len="med"/>
+                      <a:tailEnd type="none" w="med" len="med"/>
+                    </a:lnT>
+                    <a:lnB w="12700" cap="flat" cmpd="sng" algn="ctr">
+                      <a:solidFill>
+                        <a:schemeClr val="tx1"/>
+                      </a:solidFill>
+                      <a:prstDash val="solid"/>
+                      <a:round/>
+                      <a:headEnd type="none" w="med" len="med"/>
+                      <a:tailEnd type="none" w="med" len="med"/>
+                    </a:lnB>
+                  </a:tcPr>
+                </a:tc>
+                <a:tc>
+                  <a:txBody>
+                    <a:bodyPr/>
+                    <a:lstStyle/>
+                    <a:p>
+                      <a:pPr algn="ctr"/>
+                      <a:endParaRPr lang="zh-TW" altLang="en-US" sz="1200" dirty="0"/>
+                    </a:p>
+                  </a:txBody>
+                  <a:tcPr anchor="ctr">
+                    <a:lnL w="12700" cap="flat" cmpd="sng" algn="ctr">
+                      <a:solidFill>
+                        <a:schemeClr val="tx1"/>
+                      </a:solidFill>
+                      <a:prstDash val="solid"/>
+                      <a:round/>
+                      <a:headEnd type="none" w="med" len="med"/>
+                      <a:tailEnd type="none" w="med" len="med"/>
+                    </a:lnL>
+                    <a:lnR w="12700" cap="flat" cmpd="sng" algn="ctr">
+                      <a:solidFill>
+                        <a:schemeClr val="tx1"/>
+                      </a:solidFill>
+                      <a:prstDash val="solid"/>
+                      <a:round/>
+                      <a:headEnd type="none" w="med" len="med"/>
+                      <a:tailEnd type="none" w="med" len="med"/>
+                    </a:lnR>
+                    <a:lnT w="12700" cap="flat" cmpd="sng" algn="ctr">
+                      <a:solidFill>
+                        <a:schemeClr val="tx1"/>
+                      </a:solidFill>
+                      <a:prstDash val="solid"/>
+                      <a:round/>
+                      <a:headEnd type="none" w="med" len="med"/>
+                      <a:tailEnd type="none" w="med" len="med"/>
+                    </a:lnT>
+                    <a:lnB w="12700" cap="flat" cmpd="sng" algn="ctr">
+                      <a:solidFill>
+                        <a:schemeClr val="tx1"/>
+                      </a:solidFill>
+                      <a:prstDash val="solid"/>
+                      <a:round/>
+                      <a:headEnd type="none" w="med" len="med"/>
+                      <a:tailEnd type="none" w="med" len="med"/>
+                    </a:lnB>
+                    <a:noFill/>
+                  </a:tcPr>
+                </a:tc>
+                <a:extLst>
+                  <a:ext uri="{0D108BD9-81ED-4DB2-BD59-A6C34878D82A}">
+                    <a16:rowId xmlns:a16="http://schemas.microsoft.com/office/drawing/2014/main" val="2972526217"/>
+                  </a:ext>
+                </a:extLst>
+              </a:tr>
+              <a:tr h="370840">
+                <a:tc>
+                  <a:txBody>
+                    <a:bodyPr/>
+                    <a:lstStyle/>
+                    <a:p>
+                      <a:pPr algn="ctr"/>
+                      <a:r>
+                        <a:rPr lang="en-US" altLang="zh-TW" sz="1200" dirty="0"/>
+                        <a:t>9</a:t>
+                      </a:r>
+                      <a:endParaRPr lang="zh-TW" altLang="en-US" sz="1200" dirty="0"/>
+                    </a:p>
+                  </a:txBody>
+                  <a:tcPr anchor="ctr">
+                    <a:lnL w="12700" cap="flat" cmpd="sng" algn="ctr">
+                      <a:solidFill>
+                        <a:schemeClr val="tx1"/>
+                      </a:solidFill>
+                      <a:prstDash val="solid"/>
+                      <a:round/>
+                      <a:headEnd type="none" w="med" len="med"/>
+                      <a:tailEnd type="none" w="med" len="med"/>
+                    </a:lnL>
+                    <a:lnR w="12700" cap="flat" cmpd="sng" algn="ctr">
+                      <a:solidFill>
+                        <a:schemeClr val="tx1"/>
+                      </a:solidFill>
+                      <a:prstDash val="solid"/>
+                      <a:round/>
+                      <a:headEnd type="none" w="med" len="med"/>
+                      <a:tailEnd type="none" w="med" len="med"/>
+                    </a:lnR>
+                    <a:lnT w="12700" cap="flat" cmpd="sng" algn="ctr">
+                      <a:solidFill>
+                        <a:schemeClr val="tx1"/>
+                      </a:solidFill>
+                      <a:prstDash val="solid"/>
+                      <a:round/>
+                      <a:headEnd type="none" w="med" len="med"/>
+                      <a:tailEnd type="none" w="med" len="med"/>
+                    </a:lnT>
+                    <a:lnB w="12700" cap="flat" cmpd="sng" algn="ctr">
+                      <a:solidFill>
+                        <a:schemeClr val="tx1"/>
+                      </a:solidFill>
+                      <a:prstDash val="solid"/>
+                      <a:round/>
+                      <a:headEnd type="none" w="med" len="med"/>
+                      <a:tailEnd type="none" w="med" len="med"/>
+                    </a:lnB>
+                  </a:tcPr>
+                </a:tc>
+                <a:tc>
+                  <a:txBody>
+                    <a:bodyPr/>
+                    <a:lstStyle/>
+                    <a:p>
+                      <a:pPr algn="ctr"/>
+                      <a:r>
+                        <a:rPr lang="en-US" altLang="zh-TW" sz="1200" dirty="0"/>
+                        <a:t>8</a:t>
+                      </a:r>
+                      <a:endParaRPr lang="zh-TW" altLang="en-US" sz="1200" dirty="0"/>
+                    </a:p>
+                  </a:txBody>
+                  <a:tcPr anchor="ctr">
+                    <a:lnL w="12700" cap="flat" cmpd="sng" algn="ctr">
+                      <a:solidFill>
+                        <a:schemeClr val="tx1"/>
+                      </a:solidFill>
+                      <a:prstDash val="solid"/>
+                      <a:round/>
+                      <a:headEnd type="none" w="med" len="med"/>
+                      <a:tailEnd type="none" w="med" len="med"/>
+                    </a:lnL>
+                    <a:lnR w="12700" cap="flat" cmpd="sng" algn="ctr">
+                      <a:solidFill>
+                        <a:schemeClr val="tx1"/>
+                      </a:solidFill>
+                      <a:prstDash val="solid"/>
+                      <a:round/>
+                      <a:headEnd type="none" w="med" len="med"/>
+                      <a:tailEnd type="none" w="med" len="med"/>
+                    </a:lnR>
+                    <a:lnT w="12700" cap="flat" cmpd="sng" algn="ctr">
+                      <a:solidFill>
+                        <a:schemeClr val="tx1"/>
+                      </a:solidFill>
+                      <a:prstDash val="solid"/>
+                      <a:round/>
+                      <a:headEnd type="none" w="med" len="med"/>
+                      <a:tailEnd type="none" w="med" len="med"/>
+                    </a:lnT>
+                    <a:lnB w="12700" cap="flat" cmpd="sng" algn="ctr">
+                      <a:solidFill>
+                        <a:schemeClr val="tx1"/>
+                      </a:solidFill>
+                      <a:prstDash val="solid"/>
+                      <a:round/>
+                      <a:headEnd type="none" w="med" len="med"/>
+                      <a:tailEnd type="none" w="med" len="med"/>
+                    </a:lnB>
+                  </a:tcPr>
+                </a:tc>
+                <a:tc>
+                  <a:txBody>
+                    <a:bodyPr/>
+                    <a:lstStyle/>
+                    <a:p>
+                      <a:pPr algn="ctr"/>
+                      <a:r>
+                        <a:rPr lang="en-US" altLang="zh-TW" sz="1200" dirty="0"/>
+                        <a:t>7</a:t>
+                      </a:r>
+                      <a:endParaRPr lang="zh-TW" altLang="en-US" sz="1200" dirty="0"/>
+                    </a:p>
+                  </a:txBody>
+                  <a:tcPr anchor="ctr">
+                    <a:lnL w="12700" cap="flat" cmpd="sng" algn="ctr">
+                      <a:solidFill>
+                        <a:schemeClr val="tx1"/>
+                      </a:solidFill>
+                      <a:prstDash val="solid"/>
+                      <a:round/>
+                      <a:headEnd type="none" w="med" len="med"/>
+                      <a:tailEnd type="none" w="med" len="med"/>
+                    </a:lnL>
+                    <a:lnR w="12700" cap="flat" cmpd="sng" algn="ctr">
+                      <a:solidFill>
+                        <a:schemeClr val="tx1"/>
+                      </a:solidFill>
+                      <a:prstDash val="solid"/>
+                      <a:round/>
+                      <a:headEnd type="none" w="med" len="med"/>
+                      <a:tailEnd type="none" w="med" len="med"/>
+                    </a:lnR>
+                    <a:lnT w="12700" cap="flat" cmpd="sng" algn="ctr">
+                      <a:solidFill>
+                        <a:schemeClr val="tx1"/>
+                      </a:solidFill>
+                      <a:prstDash val="solid"/>
+                      <a:round/>
+                      <a:headEnd type="none" w="med" len="med"/>
+                      <a:tailEnd type="none" w="med" len="med"/>
+                    </a:lnT>
+                    <a:lnB w="12700" cap="flat" cmpd="sng" algn="ctr">
+                      <a:solidFill>
+                        <a:schemeClr val="tx1"/>
+                      </a:solidFill>
+                      <a:prstDash val="solid"/>
+                      <a:round/>
+                      <a:headEnd type="none" w="med" len="med"/>
+                      <a:tailEnd type="none" w="med" len="med"/>
+                    </a:lnB>
+                  </a:tcPr>
+                </a:tc>
+                <a:tc>
+                  <a:txBody>
+                    <a:bodyPr/>
+                    <a:lstStyle/>
+                    <a:p>
+                      <a:pPr algn="ctr"/>
+                      <a:r>
+                        <a:rPr lang="en-US" altLang="zh-TW" sz="1200" dirty="0">
+                          <a:solidFill>
+                            <a:schemeClr val="tx1"/>
+                          </a:solidFill>
+                        </a:rPr>
+                        <a:t>0</a:t>
+                      </a:r>
+                      <a:endParaRPr lang="zh-TW" altLang="en-US" sz="1200" dirty="0">
+                        <a:solidFill>
+                          <a:schemeClr val="tx1"/>
+                        </a:solidFill>
+                      </a:endParaRPr>
+                    </a:p>
+                  </a:txBody>
+                  <a:tcPr anchor="ctr">
+                    <a:lnL w="12700" cap="flat" cmpd="sng" algn="ctr">
+                      <a:solidFill>
+                        <a:schemeClr val="tx1"/>
+                      </a:solidFill>
+                      <a:prstDash val="solid"/>
+                      <a:round/>
+                      <a:headEnd type="none" w="med" len="med"/>
+                      <a:tailEnd type="none" w="med" len="med"/>
+                    </a:lnL>
+                    <a:lnR w="12700" cap="flat" cmpd="sng" algn="ctr">
+                      <a:solidFill>
+                        <a:schemeClr val="tx1"/>
+                      </a:solidFill>
+                      <a:prstDash val="solid"/>
+                      <a:round/>
+                      <a:headEnd type="none" w="med" len="med"/>
+                      <a:tailEnd type="none" w="med" len="med"/>
+                    </a:lnR>
+                    <a:lnT w="12700" cap="flat" cmpd="sng" algn="ctr">
+                      <a:solidFill>
+                        <a:schemeClr val="tx1"/>
+                      </a:solidFill>
+                      <a:prstDash val="solid"/>
+                      <a:round/>
+                      <a:headEnd type="none" w="med" len="med"/>
+                      <a:tailEnd type="none" w="med" len="med"/>
+                    </a:lnT>
+                    <a:lnB w="12700" cap="flat" cmpd="sng" algn="ctr">
+                      <a:solidFill>
+                        <a:schemeClr val="tx1"/>
+                      </a:solidFill>
+                      <a:prstDash val="solid"/>
+                      <a:round/>
+                      <a:headEnd type="none" w="med" len="med"/>
+                      <a:tailEnd type="none" w="med" len="med"/>
+                    </a:lnB>
+                  </a:tcPr>
+                </a:tc>
+                <a:tc>
+                  <a:txBody>
+                    <a:bodyPr/>
+                    <a:lstStyle/>
+                    <a:p>
+                      <a:pPr algn="ctr"/>
+                      <a:endParaRPr lang="zh-TW" altLang="en-US" sz="1200" dirty="0">
+                        <a:solidFill>
+                          <a:srgbClr val="FF0000"/>
+                        </a:solidFill>
+                      </a:endParaRPr>
+                    </a:p>
+                  </a:txBody>
+                  <a:tcPr anchor="ctr">
+                    <a:lnL w="12700" cap="flat" cmpd="sng" algn="ctr">
+                      <a:solidFill>
+                        <a:schemeClr val="tx1"/>
+                      </a:solidFill>
+                      <a:prstDash val="solid"/>
+                      <a:round/>
+                      <a:headEnd type="none" w="med" len="med"/>
+                      <a:tailEnd type="none" w="med" len="med"/>
+                    </a:lnL>
+                    <a:lnR w="12700" cap="flat" cmpd="sng" algn="ctr">
+                      <a:solidFill>
+                        <a:schemeClr val="tx1"/>
+                      </a:solidFill>
+                      <a:prstDash val="solid"/>
+                      <a:round/>
+                      <a:headEnd type="none" w="med" len="med"/>
+                      <a:tailEnd type="none" w="med" len="med"/>
+                    </a:lnR>
+                    <a:lnT w="12700" cap="flat" cmpd="sng" algn="ctr">
+                      <a:solidFill>
+                        <a:schemeClr val="tx1"/>
+                      </a:solidFill>
+                      <a:prstDash val="solid"/>
+                      <a:round/>
+                      <a:headEnd type="none" w="med" len="med"/>
+                      <a:tailEnd type="none" w="med" len="med"/>
+                    </a:lnT>
+                    <a:lnB w="12700" cap="flat" cmpd="sng" algn="ctr">
+                      <a:solidFill>
+                        <a:schemeClr val="tx1"/>
+                      </a:solidFill>
+                      <a:prstDash val="solid"/>
+                      <a:round/>
+                      <a:headEnd type="none" w="med" len="med"/>
+                      <a:tailEnd type="none" w="med" len="med"/>
+                    </a:lnB>
+                    <a:noFill/>
+                  </a:tcPr>
+                </a:tc>
+                <a:extLst>
+                  <a:ext uri="{0D108BD9-81ED-4DB2-BD59-A6C34878D82A}">
+                    <a16:rowId xmlns:a16="http://schemas.microsoft.com/office/drawing/2014/main" val="2909475624"/>
+                  </a:ext>
+                </a:extLst>
+              </a:tr>
+              <a:tr h="370840">
+                <a:tc>
+                  <a:txBody>
+                    <a:bodyPr/>
+                    <a:lstStyle/>
+                    <a:p>
+                      <a:pPr algn="ctr"/>
+                      <a:r>
+                        <a:rPr lang="en-US" altLang="zh-TW" sz="1200" dirty="0">
+                          <a:solidFill>
+                            <a:srgbClr val="FF0000"/>
+                          </a:solidFill>
+                        </a:rPr>
+                        <a:t>5</a:t>
+                      </a:r>
+                      <a:endParaRPr lang="zh-TW" altLang="en-US" sz="1200" dirty="0">
+                        <a:solidFill>
+                          <a:srgbClr val="FF0000"/>
+                        </a:solidFill>
+                      </a:endParaRPr>
+                    </a:p>
+                  </a:txBody>
+                  <a:tcPr anchor="ctr">
+                    <a:lnL w="12700" cap="flat" cmpd="sng" algn="ctr">
+                      <a:solidFill>
+                        <a:schemeClr val="tx1"/>
+                      </a:solidFill>
+                      <a:prstDash val="solid"/>
+                      <a:round/>
+                      <a:headEnd type="none" w="med" len="med"/>
+                      <a:tailEnd type="none" w="med" len="med"/>
+                    </a:lnL>
+                    <a:lnR w="12700" cap="flat" cmpd="sng" algn="ctr">
+                      <a:solidFill>
+                        <a:schemeClr val="tx1"/>
+                      </a:solidFill>
+                      <a:prstDash val="solid"/>
+                      <a:round/>
+                      <a:headEnd type="none" w="med" len="med"/>
+                      <a:tailEnd type="none" w="med" len="med"/>
+                    </a:lnR>
+                    <a:lnT w="12700" cap="flat" cmpd="sng" algn="ctr">
+                      <a:solidFill>
+                        <a:schemeClr val="tx1"/>
+                      </a:solidFill>
+                      <a:prstDash val="solid"/>
+                      <a:round/>
+                      <a:headEnd type="none" w="med" len="med"/>
+                      <a:tailEnd type="none" w="med" len="med"/>
+                    </a:lnT>
+                    <a:lnB w="12700" cap="flat" cmpd="sng" algn="ctr">
+                      <a:solidFill>
+                        <a:schemeClr val="tx1"/>
+                      </a:solidFill>
+                      <a:prstDash val="solid"/>
+                      <a:round/>
+                      <a:headEnd type="none" w="med" len="med"/>
+                      <a:tailEnd type="none" w="med" len="med"/>
+                    </a:lnB>
+                    <a:noFill/>
+                  </a:tcPr>
+                </a:tc>
+                <a:tc>
+                  <a:txBody>
+                    <a:bodyPr/>
+                    <a:lstStyle/>
+                    <a:p>
+                      <a:pPr algn="ctr"/>
+                      <a:endParaRPr lang="zh-TW" altLang="en-US" sz="1200" dirty="0"/>
+                    </a:p>
+                  </a:txBody>
+                  <a:tcPr anchor="ctr">
+                    <a:lnL w="12700" cap="flat" cmpd="sng" algn="ctr">
+                      <a:solidFill>
+                        <a:schemeClr val="tx1"/>
+                      </a:solidFill>
+                      <a:prstDash val="solid"/>
+                      <a:round/>
+                      <a:headEnd type="none" w="med" len="med"/>
+                      <a:tailEnd type="none" w="med" len="med"/>
+                    </a:lnL>
+                    <a:lnR w="12700" cap="flat" cmpd="sng" algn="ctr">
+                      <a:solidFill>
+                        <a:schemeClr val="tx1"/>
+                      </a:solidFill>
+                      <a:prstDash val="solid"/>
+                      <a:round/>
+                      <a:headEnd type="none" w="med" len="med"/>
+                      <a:tailEnd type="none" w="med" len="med"/>
+                    </a:lnR>
+                    <a:lnT w="12700" cap="flat" cmpd="sng" algn="ctr">
+                      <a:solidFill>
+                        <a:schemeClr val="tx1"/>
+                      </a:solidFill>
+                      <a:prstDash val="solid"/>
+                      <a:round/>
+                      <a:headEnd type="none" w="med" len="med"/>
+                      <a:tailEnd type="none" w="med" len="med"/>
+                    </a:lnT>
+                    <a:lnB w="12700" cap="flat" cmpd="sng" algn="ctr">
+                      <a:solidFill>
+                        <a:schemeClr val="tx1"/>
+                      </a:solidFill>
+                      <a:prstDash val="solid"/>
+                      <a:round/>
+                      <a:headEnd type="none" w="med" len="med"/>
+                      <a:tailEnd type="none" w="med" len="med"/>
+                    </a:lnB>
+                    <a:noFill/>
+                  </a:tcPr>
+                </a:tc>
+                <a:tc>
+                  <a:txBody>
+                    <a:bodyPr/>
+                    <a:lstStyle/>
+                    <a:p>
+                      <a:pPr algn="ctr"/>
+                      <a:endParaRPr lang="zh-TW" altLang="en-US" sz="1200" dirty="0"/>
+                    </a:p>
+                  </a:txBody>
+                  <a:tcPr anchor="ctr">
+                    <a:lnL w="12700" cap="flat" cmpd="sng" algn="ctr">
+                      <a:solidFill>
+                        <a:schemeClr val="tx1"/>
+                      </a:solidFill>
+                      <a:prstDash val="solid"/>
+                      <a:round/>
+                      <a:headEnd type="none" w="med" len="med"/>
+                      <a:tailEnd type="none" w="med" len="med"/>
+                    </a:lnL>
+                    <a:lnR w="12700" cap="flat" cmpd="sng" algn="ctr">
+                      <a:solidFill>
+                        <a:schemeClr val="tx1"/>
+                      </a:solidFill>
+                      <a:prstDash val="solid"/>
+                      <a:round/>
+                      <a:headEnd type="none" w="med" len="med"/>
+                      <a:tailEnd type="none" w="med" len="med"/>
+                    </a:lnR>
+                    <a:lnT w="12700" cap="flat" cmpd="sng" algn="ctr">
+                      <a:solidFill>
+                        <a:schemeClr val="tx1"/>
+                      </a:solidFill>
+                      <a:prstDash val="solid"/>
+                      <a:round/>
+                      <a:headEnd type="none" w="med" len="med"/>
+                      <a:tailEnd type="none" w="med" len="med"/>
+                    </a:lnT>
+                    <a:lnB w="12700" cap="flat" cmpd="sng" algn="ctr">
+                      <a:solidFill>
+                        <a:schemeClr val="tx1"/>
+                      </a:solidFill>
+                      <a:prstDash val="solid"/>
+                      <a:round/>
+                      <a:headEnd type="none" w="med" len="med"/>
+                      <a:tailEnd type="none" w="med" len="med"/>
+                    </a:lnB>
+                    <a:noFill/>
+                  </a:tcPr>
+                </a:tc>
+                <a:tc>
+                  <a:txBody>
+                    <a:bodyPr/>
+                    <a:lstStyle/>
+                    <a:p>
+                      <a:pPr algn="ctr"/>
+                      <a:endParaRPr lang="zh-TW" altLang="en-US" sz="1200" dirty="0">
+                        <a:solidFill>
+                          <a:srgbClr val="FF0000"/>
+                        </a:solidFill>
+                      </a:endParaRPr>
+                    </a:p>
+                  </a:txBody>
+                  <a:tcPr anchor="ctr">
+                    <a:lnL w="12700" cap="flat" cmpd="sng" algn="ctr">
+                      <a:solidFill>
+                        <a:schemeClr val="tx1"/>
+                      </a:solidFill>
+                      <a:prstDash val="solid"/>
+                      <a:round/>
+                      <a:headEnd type="none" w="med" len="med"/>
+                      <a:tailEnd type="none" w="med" len="med"/>
+                    </a:lnL>
+                    <a:lnR w="12700" cap="flat" cmpd="sng" algn="ctr">
+                      <a:solidFill>
+                        <a:schemeClr val="tx1"/>
+                      </a:solidFill>
+                      <a:prstDash val="solid"/>
+                      <a:round/>
+                      <a:headEnd type="none" w="med" len="med"/>
+                      <a:tailEnd type="none" w="med" len="med"/>
+                    </a:lnR>
+                    <a:lnT w="12700" cap="flat" cmpd="sng" algn="ctr">
+                      <a:solidFill>
+                        <a:schemeClr val="tx1"/>
+                      </a:solidFill>
+                      <a:prstDash val="solid"/>
+                      <a:round/>
+                      <a:headEnd type="none" w="med" len="med"/>
+                      <a:tailEnd type="none" w="med" len="med"/>
+                    </a:lnT>
+                    <a:lnB w="12700" cap="flat" cmpd="sng" algn="ctr">
+                      <a:solidFill>
+                        <a:schemeClr val="tx1"/>
+                      </a:solidFill>
+                      <a:prstDash val="solid"/>
+                      <a:round/>
+                      <a:headEnd type="none" w="med" len="med"/>
+                      <a:tailEnd type="none" w="med" len="med"/>
+                    </a:lnB>
+                    <a:noFill/>
+                  </a:tcPr>
+                </a:tc>
+                <a:tc>
+                  <a:txBody>
+                    <a:bodyPr/>
+                    <a:lstStyle/>
+                    <a:p>
+                      <a:pPr algn="ctr"/>
+                      <a:endParaRPr lang="zh-TW" altLang="en-US" sz="1200" dirty="0">
+                        <a:solidFill>
+                          <a:srgbClr val="FF0000"/>
+                        </a:solidFill>
+                      </a:endParaRPr>
+                    </a:p>
+                  </a:txBody>
+                  <a:tcPr anchor="ctr">
+                    <a:lnL w="12700" cap="flat" cmpd="sng" algn="ctr">
+                      <a:solidFill>
+                        <a:schemeClr val="tx1"/>
+                      </a:solidFill>
+                      <a:prstDash val="solid"/>
+                      <a:round/>
+                      <a:headEnd type="none" w="med" len="med"/>
+                      <a:tailEnd type="none" w="med" len="med"/>
+                    </a:lnL>
+                    <a:lnR w="12700" cap="flat" cmpd="sng" algn="ctr">
+                      <a:solidFill>
+                        <a:schemeClr val="tx1"/>
+                      </a:solidFill>
+                      <a:prstDash val="solid"/>
+                      <a:round/>
+                      <a:headEnd type="none" w="med" len="med"/>
+                      <a:tailEnd type="none" w="med" len="med"/>
+                    </a:lnR>
+                    <a:lnT w="12700" cap="flat" cmpd="sng" algn="ctr">
+                      <a:solidFill>
+                        <a:schemeClr val="tx1"/>
+                      </a:solidFill>
+                      <a:prstDash val="solid"/>
+                      <a:round/>
+                      <a:headEnd type="none" w="med" len="med"/>
+                      <a:tailEnd type="none" w="med" len="med"/>
+                    </a:lnT>
+                    <a:lnB w="12700" cap="flat" cmpd="sng" algn="ctr">
+                      <a:solidFill>
+                        <a:schemeClr val="tx1"/>
+                      </a:solidFill>
+                      <a:prstDash val="solid"/>
+                      <a:round/>
+                      <a:headEnd type="none" w="med" len="med"/>
+                      <a:tailEnd type="none" w="med" len="med"/>
+                    </a:lnB>
+                    <a:noFill/>
+                  </a:tcPr>
+                </a:tc>
+                <a:extLst>
+                  <a:ext uri="{0D108BD9-81ED-4DB2-BD59-A6C34878D82A}">
+                    <a16:rowId xmlns:a16="http://schemas.microsoft.com/office/drawing/2014/main" val="3296766154"/>
+                  </a:ext>
+                </a:extLst>
+              </a:tr>
+              <a:tr h="370840">
+                <a:tc>
+                  <a:txBody>
+                    <a:bodyPr/>
+                    <a:lstStyle/>
+                    <a:p>
+                      <a:pPr algn="ctr"/>
+                      <a:endParaRPr lang="zh-TW" altLang="en-US" sz="1200" dirty="0"/>
+                    </a:p>
+                  </a:txBody>
+                  <a:tcPr anchor="ctr">
+                    <a:lnL w="12700" cap="flat" cmpd="sng" algn="ctr">
+                      <a:solidFill>
+                        <a:schemeClr val="tx1"/>
+                      </a:solidFill>
+                      <a:prstDash val="solid"/>
+                      <a:round/>
+                      <a:headEnd type="none" w="med" len="med"/>
+                      <a:tailEnd type="none" w="med" len="med"/>
+                    </a:lnL>
+                    <a:lnR w="12700" cap="flat" cmpd="sng" algn="ctr">
+                      <a:solidFill>
+                        <a:schemeClr val="tx1"/>
+                      </a:solidFill>
+                      <a:prstDash val="solid"/>
+                      <a:round/>
+                      <a:headEnd type="none" w="med" len="med"/>
+                      <a:tailEnd type="none" w="med" len="med"/>
+                    </a:lnR>
+                    <a:lnT w="12700" cap="flat" cmpd="sng" algn="ctr">
+                      <a:solidFill>
+                        <a:schemeClr val="tx1"/>
+                      </a:solidFill>
+                      <a:prstDash val="solid"/>
+                      <a:round/>
+                      <a:headEnd type="none" w="med" len="med"/>
+                      <a:tailEnd type="none" w="med" len="med"/>
+                    </a:lnT>
+                    <a:lnB w="12700" cap="flat" cmpd="sng" algn="ctr">
+                      <a:solidFill>
+                        <a:schemeClr val="tx1"/>
+                      </a:solidFill>
+                      <a:prstDash val="solid"/>
+                      <a:round/>
+                      <a:headEnd type="none" w="med" len="med"/>
+                      <a:tailEnd type="none" w="med" len="med"/>
+                    </a:lnB>
+                    <a:solidFill>
+                      <a:schemeClr val="bg2">
+                        <a:lumMod val="90000"/>
+                      </a:schemeClr>
+                    </a:solidFill>
+                  </a:tcPr>
+                </a:tc>
+                <a:tc>
+                  <a:txBody>
+                    <a:bodyPr/>
+                    <a:lstStyle/>
+                    <a:p>
+                      <a:pPr algn="ctr"/>
+                      <a:r>
+                        <a:rPr lang="en-US" altLang="zh-TW" sz="1200" dirty="0">
+                          <a:solidFill>
+                            <a:srgbClr val="FF0000"/>
+                          </a:solidFill>
+                        </a:rPr>
+                        <a:t>1</a:t>
+                      </a:r>
+                      <a:endParaRPr lang="zh-TW" altLang="en-US" sz="1200" dirty="0">
+                        <a:solidFill>
+                          <a:srgbClr val="FF0000"/>
+                        </a:solidFill>
+                      </a:endParaRPr>
+                    </a:p>
+                  </a:txBody>
+                  <a:tcPr anchor="ctr">
+                    <a:lnL w="12700" cap="flat" cmpd="sng" algn="ctr">
+                      <a:solidFill>
+                        <a:schemeClr val="tx1"/>
+                      </a:solidFill>
+                      <a:prstDash val="solid"/>
+                      <a:round/>
+                      <a:headEnd type="none" w="med" len="med"/>
+                      <a:tailEnd type="none" w="med" len="med"/>
+                    </a:lnL>
+                    <a:lnR w="12700" cap="flat" cmpd="sng" algn="ctr">
+                      <a:solidFill>
+                        <a:schemeClr val="tx1"/>
+                      </a:solidFill>
+                      <a:prstDash val="solid"/>
+                      <a:round/>
+                      <a:headEnd type="none" w="med" len="med"/>
+                      <a:tailEnd type="none" w="med" len="med"/>
+                    </a:lnR>
+                    <a:lnT w="12700" cap="flat" cmpd="sng" algn="ctr">
+                      <a:solidFill>
+                        <a:schemeClr val="tx1"/>
+                      </a:solidFill>
+                      <a:prstDash val="solid"/>
+                      <a:round/>
+                      <a:headEnd type="none" w="med" len="med"/>
+                      <a:tailEnd type="none" w="med" len="med"/>
+                    </a:lnT>
+                    <a:lnB w="12700" cap="flat" cmpd="sng" algn="ctr">
+                      <a:solidFill>
+                        <a:schemeClr val="tx1"/>
+                      </a:solidFill>
+                      <a:prstDash val="solid"/>
+                      <a:round/>
+                      <a:headEnd type="none" w="med" len="med"/>
+                      <a:tailEnd type="none" w="med" len="med"/>
+                    </a:lnB>
+                    <a:solidFill>
+                      <a:schemeClr val="bg2">
+                        <a:lumMod val="90000"/>
+                      </a:schemeClr>
+                    </a:solidFill>
+                  </a:tcPr>
+                </a:tc>
+                <a:tc>
+                  <a:txBody>
+                    <a:bodyPr/>
+                    <a:lstStyle/>
+                    <a:p>
+                      <a:pPr algn="ctr"/>
+                      <a:endParaRPr lang="zh-TW" altLang="en-US" sz="1200" dirty="0"/>
+                    </a:p>
+                  </a:txBody>
+                  <a:tcPr anchor="ctr">
+                    <a:lnL w="12700" cap="flat" cmpd="sng" algn="ctr">
+                      <a:solidFill>
+                        <a:schemeClr val="tx1"/>
+                      </a:solidFill>
+                      <a:prstDash val="solid"/>
+                      <a:round/>
+                      <a:headEnd type="none" w="med" len="med"/>
+                      <a:tailEnd type="none" w="med" len="med"/>
+                    </a:lnL>
+                    <a:lnR w="12700" cap="flat" cmpd="sng" algn="ctr">
+                      <a:solidFill>
+                        <a:schemeClr val="tx1"/>
+                      </a:solidFill>
+                      <a:prstDash val="solid"/>
+                      <a:round/>
+                      <a:headEnd type="none" w="med" len="med"/>
+                      <a:tailEnd type="none" w="med" len="med"/>
+                    </a:lnR>
+                    <a:lnT w="12700" cap="flat" cmpd="sng" algn="ctr">
+                      <a:solidFill>
+                        <a:schemeClr val="tx1"/>
+                      </a:solidFill>
+                      <a:prstDash val="solid"/>
+                      <a:round/>
+                      <a:headEnd type="none" w="med" len="med"/>
+                      <a:tailEnd type="none" w="med" len="med"/>
+                    </a:lnT>
+                    <a:lnB w="12700" cap="flat" cmpd="sng" algn="ctr">
+                      <a:solidFill>
+                        <a:schemeClr val="tx1"/>
+                      </a:solidFill>
+                      <a:prstDash val="solid"/>
+                      <a:round/>
+                      <a:headEnd type="none" w="med" len="med"/>
+                      <a:tailEnd type="none" w="med" len="med"/>
+                    </a:lnB>
+                    <a:solidFill>
+                      <a:schemeClr val="bg2">
+                        <a:lumMod val="90000"/>
+                      </a:schemeClr>
+                    </a:solidFill>
+                  </a:tcPr>
+                </a:tc>
+                <a:tc>
+                  <a:txBody>
+                    <a:bodyPr/>
+                    <a:lstStyle/>
+                    <a:p>
+                      <a:pPr algn="ctr"/>
+                      <a:endParaRPr lang="zh-TW" altLang="en-US" sz="1200" dirty="0">
+                        <a:solidFill>
+                          <a:srgbClr val="FF0000"/>
+                        </a:solidFill>
+                      </a:endParaRPr>
+                    </a:p>
+                  </a:txBody>
+                  <a:tcPr anchor="ctr">
+                    <a:lnL w="12700" cap="flat" cmpd="sng" algn="ctr">
+                      <a:solidFill>
+                        <a:schemeClr val="tx1"/>
+                      </a:solidFill>
+                      <a:prstDash val="solid"/>
+                      <a:round/>
+                      <a:headEnd type="none" w="med" len="med"/>
+                      <a:tailEnd type="none" w="med" len="med"/>
+                    </a:lnL>
+                    <a:lnR w="12700" cap="flat" cmpd="sng" algn="ctr">
+                      <a:solidFill>
+                        <a:schemeClr val="tx1"/>
+                      </a:solidFill>
+                      <a:prstDash val="solid"/>
+                      <a:round/>
+                      <a:headEnd type="none" w="med" len="med"/>
+                      <a:tailEnd type="none" w="med" len="med"/>
+                    </a:lnR>
+                    <a:lnT w="12700" cap="flat" cmpd="sng" algn="ctr">
+                      <a:solidFill>
+                        <a:schemeClr val="tx1"/>
+                      </a:solidFill>
+                      <a:prstDash val="solid"/>
+                      <a:round/>
+                      <a:headEnd type="none" w="med" len="med"/>
+                      <a:tailEnd type="none" w="med" len="med"/>
+                    </a:lnT>
+                    <a:lnB w="12700" cap="flat" cmpd="sng" algn="ctr">
+                      <a:solidFill>
+                        <a:schemeClr val="tx1"/>
+                      </a:solidFill>
+                      <a:prstDash val="solid"/>
+                      <a:round/>
+                      <a:headEnd type="none" w="med" len="med"/>
+                      <a:tailEnd type="none" w="med" len="med"/>
+                    </a:lnB>
+                    <a:solidFill>
+                      <a:schemeClr val="bg2">
+                        <a:lumMod val="90000"/>
+                      </a:schemeClr>
+                    </a:solidFill>
+                  </a:tcPr>
+                </a:tc>
+                <a:tc>
+                  <a:txBody>
+                    <a:bodyPr/>
+                    <a:lstStyle/>
+                    <a:p>
+                      <a:pPr algn="ctr"/>
+                      <a:endParaRPr lang="zh-TW" altLang="en-US" sz="1200" dirty="0">
+                        <a:solidFill>
+                          <a:srgbClr val="FF0000"/>
+                        </a:solidFill>
+                      </a:endParaRPr>
+                    </a:p>
+                  </a:txBody>
+                  <a:tcPr anchor="ctr">
+                    <a:lnL w="12700" cap="flat" cmpd="sng" algn="ctr">
+                      <a:solidFill>
+                        <a:schemeClr val="tx1"/>
+                      </a:solidFill>
+                      <a:prstDash val="solid"/>
+                      <a:round/>
+                      <a:headEnd type="none" w="med" len="med"/>
+                      <a:tailEnd type="none" w="med" len="med"/>
+                    </a:lnL>
+                    <a:lnR w="12700" cap="flat" cmpd="sng" algn="ctr">
+                      <a:solidFill>
+                        <a:schemeClr val="tx1"/>
+                      </a:solidFill>
+                      <a:prstDash val="solid"/>
+                      <a:round/>
+                      <a:headEnd type="none" w="med" len="med"/>
+                      <a:tailEnd type="none" w="med" len="med"/>
+                    </a:lnR>
+                    <a:lnT w="12700" cap="flat" cmpd="sng" algn="ctr">
+                      <a:solidFill>
+                        <a:schemeClr val="tx1"/>
+                      </a:solidFill>
+                      <a:prstDash val="solid"/>
+                      <a:round/>
+                      <a:headEnd type="none" w="med" len="med"/>
+                      <a:tailEnd type="none" w="med" len="med"/>
+                    </a:lnT>
+                    <a:lnB w="12700" cap="flat" cmpd="sng" algn="ctr">
+                      <a:solidFill>
+                        <a:schemeClr val="tx1"/>
+                      </a:solidFill>
+                      <a:prstDash val="solid"/>
+                      <a:round/>
+                      <a:headEnd type="none" w="med" len="med"/>
+                      <a:tailEnd type="none" w="med" len="med"/>
+                    </a:lnB>
+                    <a:solidFill>
+                      <a:schemeClr val="bg2">
+                        <a:lumMod val="90000"/>
+                      </a:schemeClr>
+                    </a:solidFill>
+                  </a:tcPr>
+                </a:tc>
+                <a:extLst>
+                  <a:ext uri="{0D108BD9-81ED-4DB2-BD59-A6C34878D82A}">
+                    <a16:rowId xmlns:a16="http://schemas.microsoft.com/office/drawing/2014/main" val="2838677545"/>
+                  </a:ext>
+                </a:extLst>
+              </a:tr>
+            </a:tbl>
+          </a:graphicData>
+        </a:graphic>
+      </p:graphicFrame>
     </p:spTree>
     <p:extLst>
       <p:ext uri="{BB962C8B-B14F-4D97-AF65-F5344CB8AC3E}">
@@ -21028,10 +22879,10 @@
       </p:grpSpPr>
       <p:pic>
         <p:nvPicPr>
-          <p:cNvPr id="2" name="圖片 1">
+          <p:cNvPr id="3" name="圖片 2">
             <a:extLst>
               <a:ext uri="{FF2B5EF4-FFF2-40B4-BE49-F238E27FC236}">
-                <a16:creationId xmlns:a16="http://schemas.microsoft.com/office/drawing/2014/main" id="{4908DCFC-566D-C74D-A120-396D6B2EA836}"/>
+                <a16:creationId xmlns:a16="http://schemas.microsoft.com/office/drawing/2014/main" id="{497F1E62-2F7B-EF4D-A5B4-35FBA4ACFF7F}"/>
               </a:ext>
             </a:extLst>
           </p:cNvPr>
@@ -21048,8 +22899,8 @@
         </p:blipFill>
         <p:spPr>
           <a:xfrm>
-            <a:off x="381502" y="0"/>
-            <a:ext cx="3936588" cy="5715000"/>
+            <a:off x="202230" y="0"/>
+            <a:ext cx="4432460" cy="5715000"/>
           </a:xfrm>
           <a:prstGeom prst="rect">
             <a:avLst/>
@@ -21059,6 +22910,36 @@
               <a:schemeClr val="accent1"/>
             </a:solidFill>
           </a:ln>
+        </p:spPr>
+      </p:pic>
+      <p:pic>
+        <p:nvPicPr>
+          <p:cNvPr id="4" name="圖片 3">
+            <a:extLst>
+              <a:ext uri="{FF2B5EF4-FFF2-40B4-BE49-F238E27FC236}">
+                <a16:creationId xmlns:a16="http://schemas.microsoft.com/office/drawing/2014/main" id="{D9D9B830-AEE2-D440-9E3F-B59B37D23A7C}"/>
+              </a:ext>
+            </a:extLst>
+          </p:cNvPr>
+          <p:cNvPicPr>
+            <a:picLocks noChangeAspect="1"/>
+          </p:cNvPicPr>
+          <p:nvPr/>
+        </p:nvPicPr>
+        <p:blipFill>
+          <a:blip r:embed="rId3"/>
+          <a:stretch>
+            <a:fillRect/>
+          </a:stretch>
+        </p:blipFill>
+        <p:spPr>
+          <a:xfrm>
+            <a:off x="3635285" y="207946"/>
+            <a:ext cx="5144749" cy="1697767"/>
+          </a:xfrm>
+          <a:prstGeom prst="rect">
+            <a:avLst/>
+          </a:prstGeom>
         </p:spPr>
       </p:pic>
     </p:spTree>
@@ -23167,7 +25048,7 @@
           <p:nvPr>
             <p:extLst>
               <p:ext uri="{D42A27DB-BD31-4B8C-83A1-F6EECF244321}">
-                <p14:modId xmlns:p14="http://schemas.microsoft.com/office/powerpoint/2010/main" val="1468166677"/>
+                <p14:modId xmlns:p14="http://schemas.microsoft.com/office/powerpoint/2010/main" val="669550567"/>
               </p:ext>
             </p:extLst>
           </p:nvPr>
@@ -23397,14 +25278,14 @@
                       <a:r>
                         <a:rPr lang="en-US" altLang="zh-TW" sz="1000" dirty="0">
                           <a:solidFill>
-                            <a:schemeClr val="tx1"/>
+                            <a:srgbClr val="FF0000"/>
                           </a:solidFill>
                         </a:rPr>
                         <a:t>1</a:t>
                       </a:r>
                       <a:endParaRPr lang="zh-TW" altLang="en-US" sz="1000" dirty="0">
                         <a:solidFill>
-                          <a:schemeClr val="tx1"/>
+                          <a:srgbClr val="FF0000"/>
                         </a:solidFill>
                       </a:endParaRPr>
                     </a:p>
@@ -23426,14 +25307,14 @@
                       <a:r>
                         <a:rPr lang="en-US" altLang="zh-TW" sz="1000" dirty="0">
                           <a:solidFill>
-                            <a:schemeClr val="tx1"/>
+                            <a:srgbClr val="FF0000"/>
                           </a:solidFill>
                         </a:rPr>
                         <a:t>1</a:t>
                       </a:r>
                       <a:endParaRPr lang="zh-TW" altLang="en-US" sz="1000" dirty="0">
                         <a:solidFill>
-                          <a:schemeClr val="tx1"/>
+                          <a:srgbClr val="FF0000"/>
                         </a:solidFill>
                       </a:endParaRPr>
                     </a:p>
@@ -23455,14 +25336,14 @@
                       <a:r>
                         <a:rPr lang="en-US" altLang="zh-TW" sz="1000" dirty="0">
                           <a:solidFill>
-                            <a:schemeClr val="tx1"/>
+                            <a:srgbClr val="FF0000"/>
                           </a:solidFill>
                         </a:rPr>
                         <a:t>1</a:t>
                       </a:r>
                       <a:endParaRPr lang="zh-TW" altLang="en-US" sz="1000" dirty="0">
                         <a:solidFill>
-                          <a:schemeClr val="tx1"/>
+                          <a:srgbClr val="FF0000"/>
                         </a:solidFill>
                       </a:endParaRPr>
                     </a:p>
@@ -23484,14 +25365,14 @@
                       <a:r>
                         <a:rPr lang="en-US" altLang="zh-TW" sz="1000" dirty="0">
                           <a:solidFill>
-                            <a:schemeClr val="tx1"/>
+                            <a:srgbClr val="FF0000"/>
                           </a:solidFill>
                         </a:rPr>
                         <a:t>1</a:t>
                       </a:r>
                       <a:endParaRPr lang="zh-TW" altLang="en-US" sz="1000" dirty="0">
                         <a:solidFill>
-                          <a:schemeClr val="tx1"/>
+                          <a:srgbClr val="FF0000"/>
                         </a:solidFill>
                       </a:endParaRPr>
                     </a:p>
@@ -23513,14 +25394,14 @@
                       <a:r>
                         <a:rPr lang="en-US" altLang="zh-TW" sz="1000" dirty="0">
                           <a:solidFill>
-                            <a:schemeClr val="tx1"/>
+                            <a:srgbClr val="FF0000"/>
                           </a:solidFill>
                         </a:rPr>
                         <a:t>1</a:t>
                       </a:r>
                       <a:endParaRPr lang="zh-TW" altLang="en-US" sz="1000" dirty="0">
                         <a:solidFill>
-                          <a:schemeClr val="tx1"/>
+                          <a:srgbClr val="FF0000"/>
                         </a:solidFill>
                       </a:endParaRPr>
                     </a:p>
@@ -24110,7 +25991,7 @@
           <p:nvPr>
             <p:extLst>
               <p:ext uri="{D42A27DB-BD31-4B8C-83A1-F6EECF244321}">
-                <p14:modId xmlns:p14="http://schemas.microsoft.com/office/powerpoint/2010/main" val="1532206484"/>
+                <p14:modId xmlns:p14="http://schemas.microsoft.com/office/powerpoint/2010/main" val="3346838203"/>
               </p:ext>
             </p:extLst>
           </p:nvPr>
@@ -24398,14 +26279,14 @@
                       <a:r>
                         <a:rPr lang="en-US" altLang="zh-TW" sz="1000" dirty="0">
                           <a:solidFill>
-                            <a:schemeClr val="tx1"/>
+                            <a:srgbClr val="FF0000"/>
                           </a:solidFill>
                         </a:rPr>
                         <a:t>2</a:t>
                       </a:r>
                       <a:endParaRPr lang="zh-TW" altLang="en-US" sz="1000" dirty="0">
                         <a:solidFill>
-                          <a:schemeClr val="tx1"/>
+                          <a:srgbClr val="FF0000"/>
                         </a:solidFill>
                       </a:endParaRPr>
                     </a:p>
@@ -24427,14 +26308,14 @@
                       <a:r>
                         <a:rPr lang="en-US" altLang="zh-TW" sz="1000" dirty="0">
                           <a:solidFill>
-                            <a:schemeClr val="tx1"/>
+                            <a:srgbClr val="FF0000"/>
                           </a:solidFill>
                         </a:rPr>
                         <a:t>2</a:t>
                       </a:r>
                       <a:endParaRPr lang="zh-TW" altLang="en-US" sz="1000" dirty="0">
                         <a:solidFill>
-                          <a:schemeClr val="tx1"/>
+                          <a:srgbClr val="FF0000"/>
                         </a:solidFill>
                       </a:endParaRPr>
                     </a:p>
@@ -24456,14 +26337,14 @@
                       <a:r>
                         <a:rPr lang="en-US" altLang="zh-TW" sz="1000" dirty="0">
                           <a:solidFill>
-                            <a:schemeClr val="tx1"/>
+                            <a:srgbClr val="FF0000"/>
                           </a:solidFill>
                         </a:rPr>
                         <a:t>2</a:t>
                       </a:r>
                       <a:endParaRPr lang="zh-TW" altLang="en-US" sz="1000" dirty="0">
                         <a:solidFill>
-                          <a:schemeClr val="tx1"/>
+                          <a:srgbClr val="FF0000"/>
                         </a:solidFill>
                       </a:endParaRPr>
                     </a:p>
@@ -24485,14 +26366,14 @@
                       <a:r>
                         <a:rPr lang="en-US" altLang="zh-TW" sz="1000" dirty="0">
                           <a:solidFill>
-                            <a:schemeClr val="tx1"/>
+                            <a:srgbClr val="FF0000"/>
                           </a:solidFill>
                         </a:rPr>
                         <a:t>1</a:t>
                       </a:r>
                       <a:endParaRPr lang="zh-TW" altLang="en-US" sz="1000" dirty="0">
                         <a:solidFill>
-                          <a:schemeClr val="tx1"/>
+                          <a:srgbClr val="FF0000"/>
                         </a:solidFill>
                       </a:endParaRPr>
                     </a:p>
@@ -24514,14 +26395,14 @@
                       <a:r>
                         <a:rPr lang="en-US" altLang="zh-TW" sz="1000" dirty="0">
                           <a:solidFill>
-                            <a:schemeClr val="tx1"/>
+                            <a:srgbClr val="FF0000"/>
                           </a:solidFill>
                         </a:rPr>
                         <a:t>1</a:t>
                       </a:r>
                       <a:endParaRPr lang="zh-TW" altLang="en-US" sz="1000" dirty="0">
                         <a:solidFill>
-                          <a:schemeClr val="tx1"/>
+                          <a:srgbClr val="FF0000"/>
                         </a:solidFill>
                       </a:endParaRPr>
                     </a:p>
@@ -24543,14 +26424,14 @@
                       <a:r>
                         <a:rPr lang="en-US" altLang="zh-TW" sz="1000" dirty="0">
                           <a:solidFill>
-                            <a:schemeClr val="tx1"/>
+                            <a:srgbClr val="FF0000"/>
                           </a:solidFill>
                         </a:rPr>
                         <a:t>1</a:t>
                       </a:r>
                       <a:endParaRPr lang="zh-TW" altLang="en-US" sz="1000" dirty="0">
                         <a:solidFill>
-                          <a:schemeClr val="tx1"/>
+                          <a:srgbClr val="FF0000"/>
                         </a:solidFill>
                       </a:endParaRPr>
                     </a:p>
@@ -24572,14 +26453,14 @@
                       <a:r>
                         <a:rPr lang="en-US" altLang="zh-TW" sz="1000" dirty="0">
                           <a:solidFill>
-                            <a:schemeClr val="tx1"/>
+                            <a:srgbClr val="FF0000"/>
                           </a:solidFill>
                         </a:rPr>
                         <a:t>1</a:t>
                       </a:r>
                       <a:endParaRPr lang="zh-TW" altLang="en-US" sz="1000" dirty="0">
                         <a:solidFill>
-                          <a:schemeClr val="tx1"/>
+                          <a:srgbClr val="FF0000"/>
                         </a:solidFill>
                       </a:endParaRPr>
                     </a:p>
@@ -24601,14 +26482,14 @@
                       <a:r>
                         <a:rPr lang="en-US" altLang="zh-TW" sz="1000" dirty="0">
                           <a:solidFill>
-                            <a:schemeClr val="tx1"/>
+                            <a:srgbClr val="FF0000"/>
                           </a:solidFill>
                         </a:rPr>
                         <a:t>1</a:t>
                       </a:r>
                       <a:endParaRPr lang="zh-TW" altLang="en-US" sz="1000" dirty="0">
                         <a:solidFill>
-                          <a:schemeClr val="tx1"/>
+                          <a:srgbClr val="FF0000"/>
                         </a:solidFill>
                       </a:endParaRPr>
                     </a:p>
@@ -24630,14 +26511,14 @@
                       <a:r>
                         <a:rPr lang="en-US" altLang="zh-TW" sz="1000" dirty="0">
                           <a:solidFill>
-                            <a:schemeClr val="tx1"/>
+                            <a:srgbClr val="FF0000"/>
                           </a:solidFill>
                         </a:rPr>
                         <a:t>1</a:t>
                       </a:r>
                       <a:endParaRPr lang="zh-TW" altLang="en-US" sz="1000" dirty="0">
                         <a:solidFill>
-                          <a:schemeClr val="tx1"/>
+                          <a:srgbClr val="FF0000"/>
                         </a:solidFill>
                       </a:endParaRPr>
                     </a:p>
@@ -25053,7 +26934,7 @@
           <p:nvPr>
             <p:extLst>
               <p:ext uri="{D42A27DB-BD31-4B8C-83A1-F6EECF244321}">
-                <p14:modId xmlns:p14="http://schemas.microsoft.com/office/powerpoint/2010/main" val="850322252"/>
+                <p14:modId xmlns:p14="http://schemas.microsoft.com/office/powerpoint/2010/main" val="367897163"/>
               </p:ext>
             </p:extLst>
           </p:nvPr>
@@ -25428,14 +27309,14 @@
                       <a:r>
                         <a:rPr lang="en-US" altLang="zh-TW" sz="1000" dirty="0">
                           <a:solidFill>
-                            <a:schemeClr val="tx1"/>
+                            <a:srgbClr val="FF0000"/>
                           </a:solidFill>
                         </a:rPr>
                         <a:t>2</a:t>
                       </a:r>
                       <a:endParaRPr lang="zh-TW" altLang="en-US" sz="1000" dirty="0">
                         <a:solidFill>
-                          <a:schemeClr val="tx1"/>
+                          <a:srgbClr val="FF0000"/>
                         </a:solidFill>
                       </a:endParaRPr>
                     </a:p>
@@ -25457,14 +27338,14 @@
                       <a:r>
                         <a:rPr lang="en-US" altLang="zh-TW" sz="1000" dirty="0">
                           <a:solidFill>
-                            <a:schemeClr val="tx1"/>
+                            <a:srgbClr val="FF0000"/>
                           </a:solidFill>
                         </a:rPr>
                         <a:t>2</a:t>
                       </a:r>
                       <a:endParaRPr lang="zh-TW" altLang="en-US" sz="1000" dirty="0">
                         <a:solidFill>
-                          <a:schemeClr val="tx1"/>
+                          <a:srgbClr val="FF0000"/>
                         </a:solidFill>
                       </a:endParaRPr>
                     </a:p>
@@ -25486,14 +27367,14 @@
                       <a:r>
                         <a:rPr lang="en-US" altLang="zh-TW" sz="1000" dirty="0">
                           <a:solidFill>
-                            <a:schemeClr val="tx1"/>
+                            <a:srgbClr val="FF0000"/>
                           </a:solidFill>
                         </a:rPr>
                         <a:t>2</a:t>
                       </a:r>
                       <a:endParaRPr lang="zh-TW" altLang="en-US" sz="1000" dirty="0">
                         <a:solidFill>
-                          <a:schemeClr val="tx1"/>
+                          <a:srgbClr val="FF0000"/>
                         </a:solidFill>
                       </a:endParaRPr>
                     </a:p>
@@ -25515,14 +27396,14 @@
                       <a:r>
                         <a:rPr lang="en-US" altLang="zh-TW" sz="1000" dirty="0">
                           <a:solidFill>
-                            <a:schemeClr val="tx1"/>
+                            <a:srgbClr val="FF0000"/>
                           </a:solidFill>
                         </a:rPr>
                         <a:t>2</a:t>
                       </a:r>
                       <a:endParaRPr lang="zh-TW" altLang="en-US" sz="1000" dirty="0">
                         <a:solidFill>
-                          <a:schemeClr val="tx1"/>
+                          <a:srgbClr val="FF0000"/>
                         </a:solidFill>
                       </a:endParaRPr>
                     </a:p>
@@ -25544,14 +27425,14 @@
                       <a:r>
                         <a:rPr lang="en-US" altLang="zh-TW" sz="1000" dirty="0">
                           <a:solidFill>
-                            <a:schemeClr val="tx1"/>
+                            <a:srgbClr val="FF0000"/>
                           </a:solidFill>
                         </a:rPr>
                         <a:t>2</a:t>
                       </a:r>
                       <a:endParaRPr lang="zh-TW" altLang="en-US" sz="1000" dirty="0">
                         <a:solidFill>
-                          <a:schemeClr val="tx1"/>
+                          <a:srgbClr val="FF0000"/>
                         </a:solidFill>
                       </a:endParaRPr>
                     </a:p>
@@ -25573,14 +27454,14 @@
                       <a:r>
                         <a:rPr lang="en-US" altLang="zh-TW" sz="1000" dirty="0">
                           <a:solidFill>
-                            <a:schemeClr val="tx1"/>
+                            <a:srgbClr val="FF0000"/>
                           </a:solidFill>
                         </a:rPr>
                         <a:t>2</a:t>
                       </a:r>
                       <a:endParaRPr lang="zh-TW" altLang="en-US" sz="1000" dirty="0">
                         <a:solidFill>
-                          <a:schemeClr val="tx1"/>
+                          <a:srgbClr val="FF0000"/>
                         </a:solidFill>
                       </a:endParaRPr>
                     </a:p>
@@ -25602,14 +27483,14 @@
                       <a:r>
                         <a:rPr lang="en-US" altLang="zh-TW" sz="1000" dirty="0">
                           <a:solidFill>
-                            <a:schemeClr val="tx1"/>
+                            <a:srgbClr val="FF0000"/>
                           </a:solidFill>
                         </a:rPr>
                         <a:t>1</a:t>
                       </a:r>
                       <a:endParaRPr lang="zh-TW" altLang="en-US" sz="1000" dirty="0">
                         <a:solidFill>
-                          <a:schemeClr val="tx1"/>
+                          <a:srgbClr val="FF0000"/>
                         </a:solidFill>
                       </a:endParaRPr>
                     </a:p>
@@ -25631,14 +27512,14 @@
                       <a:r>
                         <a:rPr lang="en-US" altLang="zh-TW" sz="1000" dirty="0">
                           <a:solidFill>
-                            <a:schemeClr val="tx1"/>
+                            <a:srgbClr val="FF0000"/>
                           </a:solidFill>
                         </a:rPr>
                         <a:t>1</a:t>
                       </a:r>
                       <a:endParaRPr lang="zh-TW" altLang="en-US" sz="1000" dirty="0">
                         <a:solidFill>
-                          <a:schemeClr val="tx1"/>
+                          <a:srgbClr val="FF0000"/>
                         </a:solidFill>
                       </a:endParaRPr>
                     </a:p>
@@ -25660,14 +27541,14 @@
                       <a:r>
                         <a:rPr lang="en-US" altLang="zh-TW" sz="1000" dirty="0">
                           <a:solidFill>
-                            <a:schemeClr val="tx1"/>
+                            <a:srgbClr val="FF0000"/>
                           </a:solidFill>
                         </a:rPr>
                         <a:t>1</a:t>
                       </a:r>
                       <a:endParaRPr lang="zh-TW" altLang="en-US" sz="1000" dirty="0">
                         <a:solidFill>
-                          <a:schemeClr val="tx1"/>
+                          <a:srgbClr val="FF0000"/>
                         </a:solidFill>
                       </a:endParaRPr>
                     </a:p>
@@ -25689,14 +27570,14 @@
                       <a:r>
                         <a:rPr lang="en-US" altLang="zh-TW" sz="1000" dirty="0">
                           <a:solidFill>
-                            <a:schemeClr val="tx1"/>
+                            <a:srgbClr val="FF0000"/>
                           </a:solidFill>
                         </a:rPr>
                         <a:t>1</a:t>
                       </a:r>
                       <a:endParaRPr lang="zh-TW" altLang="en-US" sz="1000" dirty="0">
                         <a:solidFill>
-                          <a:schemeClr val="tx1"/>
+                          <a:srgbClr val="FF0000"/>
                         </a:solidFill>
                       </a:endParaRPr>
                     </a:p>
@@ -25718,14 +27599,14 @@
                       <a:r>
                         <a:rPr lang="en-US" altLang="zh-TW" sz="1000" dirty="0">
                           <a:solidFill>
-                            <a:schemeClr val="tx1"/>
+                            <a:srgbClr val="FF0000"/>
                           </a:solidFill>
                         </a:rPr>
                         <a:t>1</a:t>
                       </a:r>
                       <a:endParaRPr lang="zh-TW" altLang="en-US" sz="1000" dirty="0">
                         <a:solidFill>
-                          <a:schemeClr val="tx1"/>
+                          <a:srgbClr val="FF0000"/>
                         </a:solidFill>
                       </a:endParaRPr>
                     </a:p>
@@ -25747,14 +27628,14 @@
                       <a:r>
                         <a:rPr lang="en-US" altLang="zh-TW" sz="1000" dirty="0">
                           <a:solidFill>
-                            <a:schemeClr val="tx1"/>
+                            <a:srgbClr val="FF0000"/>
                           </a:solidFill>
                         </a:rPr>
                         <a:t>1</a:t>
                       </a:r>
                       <a:endParaRPr lang="zh-TW" altLang="en-US" sz="1000" dirty="0">
                         <a:solidFill>
-                          <a:schemeClr val="tx1"/>
+                          <a:srgbClr val="FF0000"/>
                         </a:solidFill>
                       </a:endParaRPr>
                     </a:p>
